--- a/ITProjectManagement/BA/SpecsWireframes/003TeacherAppWireframes.pptx
+++ b/ITProjectManagement/BA/SpecsWireframes/003TeacherAppWireframes.pptx
@@ -10,11 +10,11 @@
   <p:sldIdLst>
     <p:sldId id="259" r:id="rId2"/>
     <p:sldId id="263" r:id="rId3"/>
-    <p:sldId id="299" r:id="rId4"/>
+    <p:sldId id="302" r:id="rId4"/>
     <p:sldId id="300" r:id="rId5"/>
-    <p:sldId id="301" r:id="rId6"/>
-    <p:sldId id="302" r:id="rId7"/>
-    <p:sldId id="303" r:id="rId8"/>
+    <p:sldId id="303" r:id="rId6"/>
+    <p:sldId id="301" r:id="rId7"/>
+    <p:sldId id="304" r:id="rId8"/>
     <p:sldId id="264" r:id="rId9"/>
     <p:sldId id="267" r:id="rId10"/>
     <p:sldId id="269" r:id="rId11"/>
@@ -238,7 +238,7 @@
           <a:p>
             <a:fld id="{26483215-80E3-4A52-98A5-4C379A79CA39}" type="datetimeFigureOut">
               <a:rPr lang="en-AU" smtClean="0"/>
-              <a:t>22/02/2021</a:t>
+              <a:t>23/02/2021</a:t>
             </a:fld>
             <a:endParaRPr lang="en-AU"/>
           </a:p>
@@ -1026,7 +1026,7 @@
           <a:p>
             <a:fld id="{BB2A88D7-68F7-4681-80B5-BDD492DE1B81}" type="datetimeFigureOut">
               <a:rPr lang="en-AU" smtClean="0"/>
-              <a:t>22/02/2021</a:t>
+              <a:t>23/02/2021</a:t>
             </a:fld>
             <a:endParaRPr lang="en-AU"/>
           </a:p>
@@ -1196,7 +1196,7 @@
           <a:p>
             <a:fld id="{BB2A88D7-68F7-4681-80B5-BDD492DE1B81}" type="datetimeFigureOut">
               <a:rPr lang="en-AU" smtClean="0"/>
-              <a:t>22/02/2021</a:t>
+              <a:t>23/02/2021</a:t>
             </a:fld>
             <a:endParaRPr lang="en-AU"/>
           </a:p>
@@ -1376,7 +1376,7 @@
           <a:p>
             <a:fld id="{BB2A88D7-68F7-4681-80B5-BDD492DE1B81}" type="datetimeFigureOut">
               <a:rPr lang="en-AU" smtClean="0"/>
-              <a:t>22/02/2021</a:t>
+              <a:t>23/02/2021</a:t>
             </a:fld>
             <a:endParaRPr lang="en-AU"/>
           </a:p>
@@ -1546,7 +1546,7 @@
           <a:p>
             <a:fld id="{BB2A88D7-68F7-4681-80B5-BDD492DE1B81}" type="datetimeFigureOut">
               <a:rPr lang="en-AU" smtClean="0"/>
-              <a:t>22/02/2021</a:t>
+              <a:t>23/02/2021</a:t>
             </a:fld>
             <a:endParaRPr lang="en-AU"/>
           </a:p>
@@ -1792,7 +1792,7 @@
           <a:p>
             <a:fld id="{BB2A88D7-68F7-4681-80B5-BDD492DE1B81}" type="datetimeFigureOut">
               <a:rPr lang="en-AU" smtClean="0"/>
-              <a:t>22/02/2021</a:t>
+              <a:t>23/02/2021</a:t>
             </a:fld>
             <a:endParaRPr lang="en-AU"/>
           </a:p>
@@ -2080,7 +2080,7 @@
           <a:p>
             <a:fld id="{BB2A88D7-68F7-4681-80B5-BDD492DE1B81}" type="datetimeFigureOut">
               <a:rPr lang="en-AU" smtClean="0"/>
-              <a:t>22/02/2021</a:t>
+              <a:t>23/02/2021</a:t>
             </a:fld>
             <a:endParaRPr lang="en-AU"/>
           </a:p>
@@ -2502,7 +2502,7 @@
           <a:p>
             <a:fld id="{BB2A88D7-68F7-4681-80B5-BDD492DE1B81}" type="datetimeFigureOut">
               <a:rPr lang="en-AU" smtClean="0"/>
-              <a:t>22/02/2021</a:t>
+              <a:t>23/02/2021</a:t>
             </a:fld>
             <a:endParaRPr lang="en-AU"/>
           </a:p>
@@ -2620,7 +2620,7 @@
           <a:p>
             <a:fld id="{BB2A88D7-68F7-4681-80B5-BDD492DE1B81}" type="datetimeFigureOut">
               <a:rPr lang="en-AU" smtClean="0"/>
-              <a:t>22/02/2021</a:t>
+              <a:t>23/02/2021</a:t>
             </a:fld>
             <a:endParaRPr lang="en-AU"/>
           </a:p>
@@ -2715,7 +2715,7 @@
           <a:p>
             <a:fld id="{BB2A88D7-68F7-4681-80B5-BDD492DE1B81}" type="datetimeFigureOut">
               <a:rPr lang="en-AU" smtClean="0"/>
-              <a:t>22/02/2021</a:t>
+              <a:t>23/02/2021</a:t>
             </a:fld>
             <a:endParaRPr lang="en-AU"/>
           </a:p>
@@ -2992,7 +2992,7 @@
           <a:p>
             <a:fld id="{BB2A88D7-68F7-4681-80B5-BDD492DE1B81}" type="datetimeFigureOut">
               <a:rPr lang="en-AU" smtClean="0"/>
-              <a:t>22/02/2021</a:t>
+              <a:t>23/02/2021</a:t>
             </a:fld>
             <a:endParaRPr lang="en-AU"/>
           </a:p>
@@ -3245,7 +3245,7 @@
           <a:p>
             <a:fld id="{BB2A88D7-68F7-4681-80B5-BDD492DE1B81}" type="datetimeFigureOut">
               <a:rPr lang="en-AU" smtClean="0"/>
-              <a:t>22/02/2021</a:t>
+              <a:t>23/02/2021</a:t>
             </a:fld>
             <a:endParaRPr lang="en-AU"/>
           </a:p>
@@ -3458,7 +3458,7 @@
           <a:p>
             <a:fld id="{BB2A88D7-68F7-4681-80B5-BDD492DE1B81}" type="datetimeFigureOut">
               <a:rPr lang="en-AU" smtClean="0"/>
-              <a:t>22/02/2021</a:t>
+              <a:t>23/02/2021</a:t>
             </a:fld>
             <a:endParaRPr lang="en-AU"/>
           </a:p>
@@ -8116,9 +8116,53 @@
           </a:p>
         </p:txBody>
       </p:sp>
+      <p:sp>
+        <p:nvSpPr>
+          <p:cNvPr id="6" name="Rectangle 5"/>
+          <p:cNvSpPr/>
+          <p:nvPr/>
+        </p:nvSpPr>
+        <p:spPr>
+          <a:xfrm>
+            <a:off x="3130888" y="31615"/>
+            <a:ext cx="2644828" cy="375487"/>
+          </a:xfrm>
+          <a:prstGeom prst="rect">
+            <a:avLst/>
+          </a:prstGeom>
+        </p:spPr>
+        <p:txBody>
+          <a:bodyPr wrap="none">
+            <a:spAutoFit/>
+          </a:bodyPr>
+          <a:lstStyle/>
+          <a:p>
+            <a:pPr algn="ctr">
+              <a:lnSpc>
+                <a:spcPct val="115000"/>
+              </a:lnSpc>
+              <a:spcAft>
+                <a:spcPts val="0"/>
+              </a:spcAft>
+            </a:pPr>
+            <a:r>
+              <a:rPr lang="en-US" sz="1600" b="1" dirty="0" smtClean="0">
+                <a:latin typeface="Arial" panose="020B0604020202020204" pitchFamily="34" charset="0"/>
+                <a:ea typeface="Arial" panose="020B0604020202020204" pitchFamily="34" charset="0"/>
+              </a:rPr>
+              <a:t>Teacher App: Home Page</a:t>
+            </a:r>
+            <a:endParaRPr lang="en-AU" sz="1600" dirty="0">
+              <a:effectLst/>
+              <a:latin typeface="Arial" panose="020B0604020202020204" pitchFamily="34" charset="0"/>
+              <a:ea typeface="Arial" panose="020B0604020202020204" pitchFamily="34" charset="0"/>
+            </a:endParaRPr>
+          </a:p>
+        </p:txBody>
+      </p:sp>
       <p:pic>
         <p:nvPicPr>
-          <p:cNvPr id="5" name="Picture 4"/>
+          <p:cNvPr id="2" name="Picture 1"/>
           <p:cNvPicPr>
             <a:picLocks noChangeAspect="1"/>
           </p:cNvPicPr>
@@ -8132,65 +8176,14 @@
         </p:blipFill>
         <p:spPr>
           <a:xfrm>
-            <a:off x="0" y="836712"/>
-            <a:ext cx="9144000" cy="5443671"/>
+            <a:off x="0" y="592038"/>
+            <a:ext cx="9144000" cy="6221338"/>
           </a:xfrm>
           <a:prstGeom prst="rect">
             <a:avLst/>
           </a:prstGeom>
         </p:spPr>
       </p:pic>
-      <p:sp>
-        <p:nvSpPr>
-          <p:cNvPr id="6" name="Rectangle 5"/>
-          <p:cNvSpPr/>
-          <p:nvPr/>
-        </p:nvSpPr>
-        <p:spPr>
-          <a:xfrm>
-            <a:off x="3130888" y="31615"/>
-            <a:ext cx="2644828" cy="375487"/>
-          </a:xfrm>
-          <a:prstGeom prst="rect">
-            <a:avLst/>
-          </a:prstGeom>
-        </p:spPr>
-        <p:txBody>
-          <a:bodyPr wrap="none">
-            <a:spAutoFit/>
-          </a:bodyPr>
-          <a:lstStyle/>
-          <a:p>
-            <a:pPr algn="ctr">
-              <a:lnSpc>
-                <a:spcPct val="115000"/>
-              </a:lnSpc>
-              <a:spcAft>
-                <a:spcPts val="0"/>
-              </a:spcAft>
-            </a:pPr>
-            <a:r>
-              <a:rPr lang="en-US" sz="1600" b="1" dirty="0" smtClean="0">
-                <a:latin typeface="Arial" panose="020B0604020202020204" pitchFamily="34" charset="0"/>
-                <a:ea typeface="Arial" panose="020B0604020202020204" pitchFamily="34" charset="0"/>
-              </a:rPr>
-              <a:t>Teacher App</a:t>
-            </a:r>
-            <a:r>
-              <a:rPr lang="en-US" sz="1600" b="1" dirty="0" smtClean="0">
-                <a:latin typeface="Arial" panose="020B0604020202020204" pitchFamily="34" charset="0"/>
-                <a:ea typeface="Arial" panose="020B0604020202020204" pitchFamily="34" charset="0"/>
-              </a:rPr>
-              <a:t>: Home Page</a:t>
-            </a:r>
-            <a:endParaRPr lang="en-AU" sz="1600" dirty="0">
-              <a:effectLst/>
-              <a:latin typeface="Arial" panose="020B0604020202020204" pitchFamily="34" charset="0"/>
-              <a:ea typeface="Arial" panose="020B0604020202020204" pitchFamily="34" charset="0"/>
-            </a:endParaRPr>
-          </a:p>
-        </p:txBody>
-      </p:sp>
     </p:spTree>
     <p:extLst>
       <p:ext uri="{BB962C8B-B14F-4D97-AF65-F5344CB8AC3E}">
@@ -10199,7 +10192,7 @@
       </p:grpSpPr>
       <p:sp>
         <p:nvSpPr>
-          <p:cNvPr id="6" name="Rectangle 5"/>
+          <p:cNvPr id="3" name="Rectangle 2"/>
           <p:cNvSpPr/>
           <p:nvPr/>
         </p:nvSpPr>
@@ -10249,14 +10242,14 @@
               <a:t>://</a:t>
             </a:r>
             <a:r>
-              <a:rPr lang="en-US" sz="1200" u="sng" dirty="0" smtClean="0">
+              <a:rPr lang="en-US" sz="1200" u="sng" dirty="0">
                 <a:solidFill>
                   <a:srgbClr val="0000FF"/>
                 </a:solidFill>
                 <a:latin typeface="Arial" panose="020B0604020202020204" pitchFamily="34" charset="0"/>
                 <a:ea typeface="Arial" panose="020B0604020202020204" pitchFamily="34" charset="0"/>
               </a:rPr>
-              <a:t>anodiam.com/teacher/login</a:t>
+              <a:t>anodiam.com/teacher/registerUsernameEmail</a:t>
             </a:r>
             <a:endParaRPr lang="en-AU" sz="1200" dirty="0"/>
           </a:p>
@@ -10264,14 +10257,14 @@
       </p:sp>
       <p:sp>
         <p:nvSpPr>
-          <p:cNvPr id="7" name="Rectangle 6"/>
+          <p:cNvPr id="6" name="Rectangle 5"/>
           <p:cNvSpPr/>
           <p:nvPr/>
         </p:nvSpPr>
         <p:spPr>
           <a:xfrm>
-            <a:off x="894709" y="31615"/>
-            <a:ext cx="7117205" cy="375487"/>
+            <a:off x="2332599" y="31615"/>
+            <a:ext cx="4241418" cy="375487"/>
           </a:xfrm>
           <a:prstGeom prst="rect">
             <a:avLst/>
@@ -10296,28 +10289,14 @@
                 <a:latin typeface="Arial" panose="020B0604020202020204" pitchFamily="34" charset="0"/>
                 <a:ea typeface="Arial" panose="020B0604020202020204" pitchFamily="34" charset="0"/>
               </a:rPr>
-              <a:t>Teacher App</a:t>
+              <a:t>Teacher App: </a:t>
             </a:r>
             <a:r>
               <a:rPr lang="en-US" sz="1600" b="1" dirty="0" smtClean="0">
                 <a:latin typeface="Arial" panose="020B0604020202020204" pitchFamily="34" charset="0"/>
                 <a:ea typeface="Arial" panose="020B0604020202020204" pitchFamily="34" charset="0"/>
               </a:rPr>
-              <a:t>: Create New Username (Register </a:t>
-            </a:r>
-            <a:r>
-              <a:rPr lang="en-US" sz="1600" b="1" dirty="0">
-                <a:latin typeface="Arial" panose="020B0604020202020204" pitchFamily="34" charset="0"/>
-                <a:ea typeface="Arial" panose="020B0604020202020204" pitchFamily="34" charset="0"/>
-              </a:rPr>
-              <a:t>U</a:t>
-            </a:r>
-            <a:r>
-              <a:rPr lang="en-US" sz="1600" b="1" dirty="0" smtClean="0">
-                <a:latin typeface="Arial" panose="020B0604020202020204" pitchFamily="34" charset="0"/>
-                <a:ea typeface="Arial" panose="020B0604020202020204" pitchFamily="34" charset="0"/>
-              </a:rPr>
-              <a:t>sername &amp; Email) Page</a:t>
+              <a:t>Create New Username Page</a:t>
             </a:r>
             <a:endParaRPr lang="en-AU" sz="1600" dirty="0">
               <a:effectLst/>
@@ -10329,7 +10308,7 @@
       </p:sp>
       <p:pic>
         <p:nvPicPr>
-          <p:cNvPr id="8" name="Picture 7"/>
+          <p:cNvPr id="5" name="Picture 4"/>
           <p:cNvPicPr>
             <a:picLocks noChangeAspect="1"/>
           </p:cNvPicPr>
@@ -10343,8 +10322,8 @@
         </p:blipFill>
         <p:spPr>
           <a:xfrm>
-            <a:off x="0" y="620688"/>
-            <a:ext cx="9144000" cy="6204247"/>
+            <a:off x="0" y="592038"/>
+            <a:ext cx="9144000" cy="6221338"/>
           </a:xfrm>
           <a:prstGeom prst="rect">
             <a:avLst/>
@@ -10354,7 +10333,7 @@
     </p:spTree>
     <p:extLst>
       <p:ext uri="{BB962C8B-B14F-4D97-AF65-F5344CB8AC3E}">
-        <p14:creationId xmlns:p14="http://schemas.microsoft.com/office/powerpoint/2010/main" val="1220789182"/>
+        <p14:creationId xmlns:p14="http://schemas.microsoft.com/office/powerpoint/2010/main" val="991136502"/>
       </p:ext>
     </p:extLst>
   </p:cSld>
@@ -10748,7 +10727,7 @@
       </p:grpSpPr>
       <p:sp>
         <p:nvSpPr>
-          <p:cNvPr id="6" name="Rectangle 5"/>
+          <p:cNvPr id="3" name="Rectangle 2"/>
           <p:cNvSpPr/>
           <p:nvPr/>
         </p:nvSpPr>
@@ -10813,13 +10792,13 @@
       </p:sp>
       <p:sp>
         <p:nvSpPr>
-          <p:cNvPr id="7" name="Rectangle 6"/>
+          <p:cNvPr id="6" name="Rectangle 5"/>
           <p:cNvSpPr/>
           <p:nvPr/>
         </p:nvSpPr>
         <p:spPr>
           <a:xfrm>
-            <a:off x="3136509" y="31615"/>
+            <a:off x="3136504" y="31615"/>
             <a:ext cx="2633606" cy="375487"/>
           </a:xfrm>
           <a:prstGeom prst="rect">
@@ -10845,14 +10824,14 @@
                 <a:latin typeface="Arial" panose="020B0604020202020204" pitchFamily="34" charset="0"/>
                 <a:ea typeface="Arial" panose="020B0604020202020204" pitchFamily="34" charset="0"/>
               </a:rPr>
-              <a:t>Teacher App</a:t>
+              <a:t>Teacher App: </a:t>
             </a:r>
             <a:r>
               <a:rPr lang="en-US" sz="1600" b="1" dirty="0" smtClean="0">
                 <a:latin typeface="Arial" panose="020B0604020202020204" pitchFamily="34" charset="0"/>
                 <a:ea typeface="Arial" panose="020B0604020202020204" pitchFamily="34" charset="0"/>
               </a:rPr>
-              <a:t>: Login Page</a:t>
+              <a:t>Login Page</a:t>
             </a:r>
             <a:endParaRPr lang="en-AU" sz="1600" dirty="0">
               <a:effectLst/>
@@ -10864,7 +10843,7 @@
       </p:sp>
       <p:pic>
         <p:nvPicPr>
-          <p:cNvPr id="3" name="Picture 2"/>
+          <p:cNvPr id="7" name="Picture 6"/>
           <p:cNvPicPr>
             <a:picLocks noChangeAspect="1"/>
           </p:cNvPicPr>
@@ -10878,7 +10857,7 @@
         </p:blipFill>
         <p:spPr>
           <a:xfrm>
-            <a:off x="0" y="620688"/>
+            <a:off x="0" y="592038"/>
             <a:ext cx="9144000" cy="6221338"/>
           </a:xfrm>
           <a:prstGeom prst="rect">
@@ -10889,7 +10868,7 @@
     </p:spTree>
     <p:extLst>
       <p:ext uri="{BB962C8B-B14F-4D97-AF65-F5344CB8AC3E}">
-        <p14:creationId xmlns:p14="http://schemas.microsoft.com/office/powerpoint/2010/main" val="3310124595"/>
+        <p14:creationId xmlns:p14="http://schemas.microsoft.com/office/powerpoint/2010/main" val="1900705466"/>
       </p:ext>
     </p:extLst>
   </p:cSld>
@@ -10925,7 +10904,7 @@
       </p:grpSpPr>
       <p:sp>
         <p:nvSpPr>
-          <p:cNvPr id="6" name="Rectangle 5"/>
+          <p:cNvPr id="3" name="Rectangle 2"/>
           <p:cNvSpPr/>
           <p:nvPr/>
         </p:nvSpPr>
@@ -10990,13 +10969,13 @@
       </p:sp>
       <p:sp>
         <p:nvSpPr>
-          <p:cNvPr id="7" name="Rectangle 6"/>
+          <p:cNvPr id="6" name="Rectangle 5"/>
           <p:cNvSpPr/>
           <p:nvPr/>
         </p:nvSpPr>
         <p:spPr>
           <a:xfrm>
-            <a:off x="2583476" y="31615"/>
+            <a:off x="2583472" y="31615"/>
             <a:ext cx="3739678" cy="351378"/>
           </a:xfrm>
           <a:prstGeom prst="rect">
@@ -11022,14 +11001,14 @@
                 <a:latin typeface="Arial" panose="020B0604020202020204" pitchFamily="34" charset="0"/>
                 <a:ea typeface="Arial" panose="020B0604020202020204" pitchFamily="34" charset="0"/>
               </a:rPr>
-              <a:t>Teacher App</a:t>
+              <a:t>Teacher App: </a:t>
             </a:r>
             <a:r>
               <a:rPr lang="en-US" sz="1600" b="1" dirty="0" smtClean="0">
                 <a:latin typeface="Arial" panose="020B0604020202020204" pitchFamily="34" charset="0"/>
                 <a:ea typeface="Arial" panose="020B0604020202020204" pitchFamily="34" charset="0"/>
               </a:rPr>
-              <a:t>: Forget Password Page</a:t>
+              <a:t>Forget Password Page</a:t>
             </a:r>
             <a:endParaRPr lang="en-AU" sz="1600" dirty="0">
               <a:effectLst/>
@@ -11055,7 +11034,7 @@
         </p:blipFill>
         <p:spPr>
           <a:xfrm>
-            <a:off x="0" y="620688"/>
+            <a:off x="0" y="592038"/>
             <a:ext cx="9144000" cy="6221338"/>
           </a:xfrm>
           <a:prstGeom prst="rect">
@@ -11066,7 +11045,7 @@
     </p:spTree>
     <p:extLst>
       <p:ext uri="{BB962C8B-B14F-4D97-AF65-F5344CB8AC3E}">
-        <p14:creationId xmlns:p14="http://schemas.microsoft.com/office/powerpoint/2010/main" val="316338433"/>
+        <p14:creationId xmlns:p14="http://schemas.microsoft.com/office/powerpoint/2010/main" val="3501040046"/>
       </p:ext>
     </p:extLst>
   </p:cSld>
@@ -11102,7 +11081,7 @@
       </p:grpSpPr>
       <p:sp>
         <p:nvSpPr>
-          <p:cNvPr id="6" name="Rectangle 5"/>
+          <p:cNvPr id="3" name="Rectangle 2"/>
           <p:cNvSpPr/>
           <p:nvPr/>
         </p:nvSpPr>
@@ -11159,7 +11138,7 @@
                 <a:latin typeface="Arial" panose="020B0604020202020204" pitchFamily="34" charset="0"/>
                 <a:ea typeface="Arial" panose="020B0604020202020204" pitchFamily="34" charset="0"/>
               </a:rPr>
-              <a:t>anodiam.com/teacher/login</a:t>
+              <a:t>anodiam.com/teacher/newUser/</a:t>
             </a:r>
             <a:endParaRPr lang="en-AU" sz="1200" dirty="0"/>
           </a:p>
@@ -11167,14 +11146,14 @@
       </p:sp>
       <p:sp>
         <p:nvSpPr>
-          <p:cNvPr id="7" name="Rectangle 6"/>
+          <p:cNvPr id="6" name="Rectangle 5"/>
           <p:cNvSpPr/>
           <p:nvPr/>
         </p:nvSpPr>
         <p:spPr>
           <a:xfrm>
-            <a:off x="2583476" y="31615"/>
-            <a:ext cx="3739678" cy="351378"/>
+            <a:off x="1709834" y="31615"/>
+            <a:ext cx="5486951" cy="375487"/>
           </a:xfrm>
           <a:prstGeom prst="rect">
             <a:avLst/>
@@ -11199,14 +11178,21 @@
                 <a:latin typeface="Arial" panose="020B0604020202020204" pitchFamily="34" charset="0"/>
                 <a:ea typeface="Arial" panose="020B0604020202020204" pitchFamily="34" charset="0"/>
               </a:rPr>
-              <a:t>Teacher App</a:t>
+              <a:t>Teacher App: </a:t>
             </a:r>
             <a:r>
               <a:rPr lang="en-US" sz="1600" b="1" dirty="0" smtClean="0">
                 <a:latin typeface="Arial" panose="020B0604020202020204" pitchFamily="34" charset="0"/>
                 <a:ea typeface="Arial" panose="020B0604020202020204" pitchFamily="34" charset="0"/>
               </a:rPr>
-              <a:t>: Forget Password Page</a:t>
+              <a:t>Create New Username (Email Sent) </a:t>
+            </a:r>
+            <a:r>
+              <a:rPr lang="en-US" sz="1600" b="1" dirty="0" smtClean="0">
+                <a:latin typeface="Arial" panose="020B0604020202020204" pitchFamily="34" charset="0"/>
+                <a:ea typeface="Arial" panose="020B0604020202020204" pitchFamily="34" charset="0"/>
+              </a:rPr>
+              <a:t>Page</a:t>
             </a:r>
             <a:endParaRPr lang="en-AU" sz="1600" dirty="0">
               <a:effectLst/>
@@ -11218,7 +11204,7 @@
       </p:sp>
       <p:pic>
         <p:nvPicPr>
-          <p:cNvPr id="5" name="Picture 4"/>
+          <p:cNvPr id="4" name="Picture 3"/>
           <p:cNvPicPr>
             <a:picLocks noChangeAspect="1"/>
           </p:cNvPicPr>
@@ -11232,8 +11218,8 @@
         </p:blipFill>
         <p:spPr>
           <a:xfrm>
-            <a:off x="0" y="620688"/>
-            <a:ext cx="9144000" cy="6204247"/>
+            <a:off x="0" y="592038"/>
+            <a:ext cx="9144000" cy="6221338"/>
           </a:xfrm>
           <a:prstGeom prst="rect">
             <a:avLst/>
@@ -11243,7 +11229,7 @@
     </p:spTree>
     <p:extLst>
       <p:ext uri="{BB962C8B-B14F-4D97-AF65-F5344CB8AC3E}">
-        <p14:creationId xmlns:p14="http://schemas.microsoft.com/office/powerpoint/2010/main" val="2755019724"/>
+        <p14:creationId xmlns:p14="http://schemas.microsoft.com/office/powerpoint/2010/main" val="3937712580"/>
       </p:ext>
     </p:extLst>
   </p:cSld>
@@ -11279,7 +11265,7 @@
       </p:grpSpPr>
       <p:sp>
         <p:nvSpPr>
-          <p:cNvPr id="6" name="Rectangle 5"/>
+          <p:cNvPr id="3" name="Rectangle 2"/>
           <p:cNvSpPr/>
           <p:nvPr/>
         </p:nvSpPr>
@@ -11307,36 +11293,11 @@
               <a:t>Link: </a:t>
             </a:r>
             <a:r>
-              <a:rPr lang="en-US" sz="1200" u="sng" dirty="0">
-                <a:solidFill>
-                  <a:srgbClr val="0000FF"/>
-                </a:solidFill>
-                <a:latin typeface="Arial" panose="020B0604020202020204" pitchFamily="34" charset="0"/>
-                <a:ea typeface="Arial" panose="020B0604020202020204" pitchFamily="34" charset="0"/>
-                <a:hlinkClick r:id="rId2"/>
-              </a:rPr>
-              <a:t>https</a:t>
-            </a:r>
-            <a:r>
-              <a:rPr lang="en-US" sz="1200" u="sng" dirty="0" smtClean="0">
-                <a:solidFill>
-                  <a:srgbClr val="0000FF"/>
-                </a:solidFill>
-                <a:latin typeface="Arial" panose="020B0604020202020204" pitchFamily="34" charset="0"/>
-                <a:ea typeface="Arial" panose="020B0604020202020204" pitchFamily="34" charset="0"/>
-                <a:hlinkClick r:id="rId2"/>
-              </a:rPr>
-              <a:t>://</a:t>
-            </a:r>
-            <a:r>
-              <a:rPr lang="en-US" sz="1200" u="sng" dirty="0" smtClean="0">
-                <a:solidFill>
-                  <a:srgbClr val="0000FF"/>
-                </a:solidFill>
-                <a:latin typeface="Arial" panose="020B0604020202020204" pitchFamily="34" charset="0"/>
-                <a:ea typeface="Arial" panose="020B0604020202020204" pitchFamily="34" charset="0"/>
-              </a:rPr>
-              <a:t>anodiam.com/teacher/login</a:t>
+              <a:rPr lang="en-US" sz="1200" smtClean="0">
+                <a:latin typeface="Arial" panose="020B0604020202020204" pitchFamily="34" charset="0"/>
+                <a:ea typeface="Arial" panose="020B0604020202020204" pitchFamily="34" charset="0"/>
+              </a:rPr>
+              <a:t>user’s mailbox</a:t>
             </a:r>
             <a:endParaRPr lang="en-AU" sz="1200" dirty="0"/>
           </a:p>
@@ -11344,14 +11305,14 @@
       </p:sp>
       <p:sp>
         <p:nvSpPr>
-          <p:cNvPr id="7" name="Rectangle 6"/>
+          <p:cNvPr id="6" name="Rectangle 5"/>
           <p:cNvSpPr/>
           <p:nvPr/>
         </p:nvSpPr>
         <p:spPr>
           <a:xfrm>
-            <a:off x="2583476" y="31615"/>
-            <a:ext cx="3739678" cy="351378"/>
+            <a:off x="2831999" y="31615"/>
+            <a:ext cx="3242619" cy="375487"/>
           </a:xfrm>
           <a:prstGeom prst="rect">
             <a:avLst/>
@@ -11383,7 +11344,7 @@
                 <a:latin typeface="Arial" panose="020B0604020202020204" pitchFamily="34" charset="0"/>
                 <a:ea typeface="Arial" panose="020B0604020202020204" pitchFamily="34" charset="0"/>
               </a:rPr>
-              <a:t>: Forget Password Page</a:t>
+              <a:t>: Verification Email</a:t>
             </a:r>
             <a:endParaRPr lang="en-AU" sz="1600" dirty="0">
               <a:effectLst/>
@@ -11395,22 +11356,22 @@
       </p:sp>
       <p:pic>
         <p:nvPicPr>
-          <p:cNvPr id="5" name="Picture 4"/>
+          <p:cNvPr id="2" name="Picture 1"/>
           <p:cNvPicPr>
             <a:picLocks noChangeAspect="1"/>
           </p:cNvPicPr>
           <p:nvPr/>
         </p:nvPicPr>
         <p:blipFill>
-          <a:blip r:embed="rId3"/>
+          <a:blip r:embed="rId2"/>
           <a:stretch>
             <a:fillRect/>
           </a:stretch>
         </p:blipFill>
         <p:spPr>
           <a:xfrm>
-            <a:off x="0" y="620688"/>
-            <a:ext cx="9144000" cy="6204247"/>
+            <a:off x="0" y="592038"/>
+            <a:ext cx="9144000" cy="6221338"/>
           </a:xfrm>
           <a:prstGeom prst="rect">
             <a:avLst/>
@@ -11420,7 +11381,7 @@
     </p:spTree>
     <p:extLst>
       <p:ext uri="{BB962C8B-B14F-4D97-AF65-F5344CB8AC3E}">
-        <p14:creationId xmlns:p14="http://schemas.microsoft.com/office/powerpoint/2010/main" val="4181650245"/>
+        <p14:creationId xmlns:p14="http://schemas.microsoft.com/office/powerpoint/2010/main" val="1963525903"/>
       </p:ext>
     </p:extLst>
   </p:cSld>

--- a/ITProjectManagement/BA/SpecsWireframes/003TeacherAppWireframes.pptx
+++ b/ITProjectManagement/BA/SpecsWireframes/003TeacherAppWireframes.pptx
@@ -5,7 +5,7 @@
     <p:sldMasterId id="2147483648" r:id="rId1"/>
   </p:sldMasterIdLst>
   <p:notesMasterIdLst>
-    <p:notesMasterId r:id="rId33"/>
+    <p:notesMasterId r:id="rId34"/>
   </p:notesMasterIdLst>
   <p:sldIdLst>
     <p:sldId id="259" r:id="rId2"/>
@@ -15,30 +15,31 @@
     <p:sldId id="303" r:id="rId6"/>
     <p:sldId id="301" r:id="rId7"/>
     <p:sldId id="304" r:id="rId8"/>
-    <p:sldId id="264" r:id="rId9"/>
-    <p:sldId id="267" r:id="rId10"/>
-    <p:sldId id="269" r:id="rId11"/>
-    <p:sldId id="298" r:id="rId12"/>
-    <p:sldId id="271" r:id="rId13"/>
-    <p:sldId id="284" r:id="rId14"/>
-    <p:sldId id="285" r:id="rId15"/>
-    <p:sldId id="293" r:id="rId16"/>
-    <p:sldId id="291" r:id="rId17"/>
-    <p:sldId id="292" r:id="rId18"/>
-    <p:sldId id="294" r:id="rId19"/>
-    <p:sldId id="295" r:id="rId20"/>
-    <p:sldId id="296" r:id="rId21"/>
-    <p:sldId id="297" r:id="rId22"/>
-    <p:sldId id="265" r:id="rId23"/>
-    <p:sldId id="273" r:id="rId24"/>
-    <p:sldId id="272" r:id="rId25"/>
-    <p:sldId id="274" r:id="rId26"/>
-    <p:sldId id="275" r:id="rId27"/>
-    <p:sldId id="276" r:id="rId28"/>
-    <p:sldId id="277" r:id="rId29"/>
-    <p:sldId id="279" r:id="rId30"/>
-    <p:sldId id="280" r:id="rId31"/>
-    <p:sldId id="281" r:id="rId32"/>
+    <p:sldId id="305" r:id="rId9"/>
+    <p:sldId id="264" r:id="rId10"/>
+    <p:sldId id="267" r:id="rId11"/>
+    <p:sldId id="269" r:id="rId12"/>
+    <p:sldId id="298" r:id="rId13"/>
+    <p:sldId id="271" r:id="rId14"/>
+    <p:sldId id="284" r:id="rId15"/>
+    <p:sldId id="285" r:id="rId16"/>
+    <p:sldId id="293" r:id="rId17"/>
+    <p:sldId id="291" r:id="rId18"/>
+    <p:sldId id="292" r:id="rId19"/>
+    <p:sldId id="294" r:id="rId20"/>
+    <p:sldId id="295" r:id="rId21"/>
+    <p:sldId id="296" r:id="rId22"/>
+    <p:sldId id="297" r:id="rId23"/>
+    <p:sldId id="265" r:id="rId24"/>
+    <p:sldId id="273" r:id="rId25"/>
+    <p:sldId id="272" r:id="rId26"/>
+    <p:sldId id="274" r:id="rId27"/>
+    <p:sldId id="275" r:id="rId28"/>
+    <p:sldId id="276" r:id="rId29"/>
+    <p:sldId id="277" r:id="rId30"/>
+    <p:sldId id="279" r:id="rId31"/>
+    <p:sldId id="280" r:id="rId32"/>
+    <p:sldId id="281" r:id="rId33"/>
   </p:sldIdLst>
   <p:sldSz cx="9144000" cy="6858000" type="screen4x3"/>
   <p:notesSz cx="6858000" cy="9144000"/>
@@ -571,7 +572,7 @@
           <a:p>
             <a:fld id="{52ABDD3E-57A4-4A7C-8FEE-AE2738C669D0}" type="slidenum">
               <a:rPr lang="en-AU" smtClean="0"/>
-              <a:t>8</a:t>
+              <a:t>9</a:t>
             </a:fld>
             <a:endParaRPr lang="en-AU"/>
           </a:p>
@@ -658,7 +659,7 @@
           <a:p>
             <a:fld id="{52ABDD3E-57A4-4A7C-8FEE-AE2738C669D0}" type="slidenum">
               <a:rPr lang="en-AU" smtClean="0"/>
-              <a:t>9</a:t>
+              <a:t>10</a:t>
             </a:fld>
             <a:endParaRPr lang="en-AU"/>
           </a:p>
@@ -742,7 +743,7 @@
           <a:p>
             <a:fld id="{52ABDD3E-57A4-4A7C-8FEE-AE2738C669D0}" type="slidenum">
               <a:rPr lang="en-AU" smtClean="0"/>
-              <a:t>22</a:t>
+              <a:t>23</a:t>
             </a:fld>
             <a:endParaRPr lang="en-AU"/>
           </a:p>
@@ -826,7 +827,7 @@
           <a:p>
             <a:fld id="{52ABDD3E-57A4-4A7C-8FEE-AE2738C669D0}" type="slidenum">
               <a:rPr lang="en-AU" smtClean="0"/>
-              <a:t>24</a:t>
+              <a:t>25</a:t>
             </a:fld>
             <a:endParaRPr lang="en-AU"/>
           </a:p>
@@ -5855,14 +5856,79 @@
       </p:grpSpPr>
       <p:sp>
         <p:nvSpPr>
-          <p:cNvPr id="2" name="Rectangle 1"/>
+          <p:cNvPr id="6" name="Rectangle 5"/>
           <p:cNvSpPr/>
           <p:nvPr/>
         </p:nvSpPr>
         <p:spPr>
           <a:xfrm>
-            <a:off x="320096" y="332656"/>
-            <a:ext cx="8266430" cy="517065"/>
+            <a:off x="431032" y="764704"/>
+            <a:ext cx="8245424" cy="307777"/>
+          </a:xfrm>
+          <a:prstGeom prst="rect">
+            <a:avLst/>
+          </a:prstGeom>
+        </p:spPr>
+        <p:txBody>
+          <a:bodyPr wrap="square">
+            <a:spAutoFit/>
+          </a:bodyPr>
+          <a:lstStyle/>
+          <a:p>
+            <a:pPr algn="ctr"/>
+            <a:r>
+              <a:rPr lang="en-US" sz="1400" dirty="0">
+                <a:latin typeface="Arial" panose="020B0604020202020204" pitchFamily="34" charset="0"/>
+                <a:ea typeface="Arial" panose="020B0604020202020204" pitchFamily="34" charset="0"/>
+              </a:rPr>
+              <a:t>Link: </a:t>
+            </a:r>
+            <a:r>
+              <a:rPr lang="en-US" sz="1400" u="sng" dirty="0">
+                <a:solidFill>
+                  <a:srgbClr val="0000FF"/>
+                </a:solidFill>
+                <a:latin typeface="Arial" panose="020B0604020202020204" pitchFamily="34" charset="0"/>
+                <a:ea typeface="Arial" panose="020B0604020202020204" pitchFamily="34" charset="0"/>
+                <a:hlinkClick r:id="rId3"/>
+              </a:rPr>
+              <a:t>https</a:t>
+            </a:r>
+            <a:r>
+              <a:rPr lang="en-US" sz="1400" u="sng" dirty="0" smtClean="0">
+                <a:solidFill>
+                  <a:srgbClr val="0000FF"/>
+                </a:solidFill>
+                <a:latin typeface="Arial" panose="020B0604020202020204" pitchFamily="34" charset="0"/>
+                <a:ea typeface="Arial" panose="020B0604020202020204" pitchFamily="34" charset="0"/>
+                <a:hlinkClick r:id="rId3"/>
+              </a:rPr>
+              <a:t>://</a:t>
+            </a:r>
+            <a:r>
+              <a:rPr lang="en-US" sz="1400" u="sng" dirty="0" smtClean="0">
+                <a:solidFill>
+                  <a:srgbClr val="0000FF"/>
+                </a:solidFill>
+                <a:latin typeface="Arial" panose="020B0604020202020204" pitchFamily="34" charset="0"/>
+                <a:ea typeface="Arial" panose="020B0604020202020204" pitchFamily="34" charset="0"/>
+              </a:rPr>
+              <a:t>anodiam.com/teacher/signup</a:t>
+            </a:r>
+            <a:endParaRPr lang="en-AU" sz="1400" dirty="0"/>
+          </a:p>
+        </p:txBody>
+      </p:sp>
+      <p:sp>
+        <p:nvSpPr>
+          <p:cNvPr id="7" name="Rectangle 6"/>
+          <p:cNvSpPr/>
+          <p:nvPr/>
+        </p:nvSpPr>
+        <p:spPr>
+          <a:xfrm>
+            <a:off x="238541" y="332656"/>
+            <a:ext cx="8429552" cy="517065"/>
           </a:xfrm>
           <a:prstGeom prst="rect">
             <a:avLst/>
@@ -5901,99 +5967,29 @@
                 <a:latin typeface="Arial" panose="020B0604020202020204" pitchFamily="34" charset="0"/>
                 <a:ea typeface="Arial" panose="020B0604020202020204" pitchFamily="34" charset="0"/>
               </a:rPr>
-              <a:t>Signup – Forget / Change Password page</a:t>
-            </a:r>
-            <a:endParaRPr lang="en-AU" sz="2400" dirty="0">
-              <a:effectLst/>
-              <a:latin typeface="Arial" panose="020B0604020202020204" pitchFamily="34" charset="0"/>
-              <a:ea typeface="Arial" panose="020B0604020202020204" pitchFamily="34" charset="0"/>
-            </a:endParaRPr>
-          </a:p>
-        </p:txBody>
-      </p:sp>
-      <p:sp>
-        <p:nvSpPr>
-          <p:cNvPr id="3" name="Rectangle 2"/>
-          <p:cNvSpPr/>
-          <p:nvPr/>
-        </p:nvSpPr>
-        <p:spPr>
-          <a:xfrm>
-            <a:off x="431032" y="849721"/>
-            <a:ext cx="8245424" cy="307777"/>
-          </a:xfrm>
-          <a:prstGeom prst="rect">
-            <a:avLst/>
-          </a:prstGeom>
-        </p:spPr>
-        <p:txBody>
-          <a:bodyPr wrap="square">
-            <a:spAutoFit/>
-          </a:bodyPr>
-          <a:lstStyle/>
-          <a:p>
-            <a:pPr algn="ctr"/>
-            <a:r>
-              <a:rPr lang="en-US" sz="1400" dirty="0">
-                <a:latin typeface="Arial" panose="020B0604020202020204" pitchFamily="34" charset="0"/>
-                <a:ea typeface="Arial" panose="020B0604020202020204" pitchFamily="34" charset="0"/>
-              </a:rPr>
-              <a:t>Link: </a:t>
-            </a:r>
-            <a:r>
-              <a:rPr lang="en-US" sz="1400" u="sng" dirty="0">
-                <a:solidFill>
-                  <a:srgbClr val="0000FF"/>
-                </a:solidFill>
-                <a:latin typeface="Arial" panose="020B0604020202020204" pitchFamily="34" charset="0"/>
-                <a:ea typeface="Arial" panose="020B0604020202020204" pitchFamily="34" charset="0"/>
-                <a:hlinkClick r:id="rId2"/>
-              </a:rPr>
-              <a:t>https</a:t>
-            </a:r>
-            <a:r>
-              <a:rPr lang="en-US" sz="1400" u="sng" dirty="0" smtClean="0">
-                <a:solidFill>
-                  <a:srgbClr val="0000FF"/>
-                </a:solidFill>
-                <a:latin typeface="Arial" panose="020B0604020202020204" pitchFamily="34" charset="0"/>
-                <a:ea typeface="Arial" panose="020B0604020202020204" pitchFamily="34" charset="0"/>
-                <a:hlinkClick r:id="rId2"/>
-              </a:rPr>
-              <a:t>://</a:t>
-            </a:r>
-            <a:r>
-              <a:rPr lang="en-US" sz="1400" u="sng" dirty="0" smtClean="0">
-                <a:solidFill>
-                  <a:srgbClr val="0000FF"/>
-                </a:solidFill>
-                <a:latin typeface="Arial" panose="020B0604020202020204" pitchFamily="34" charset="0"/>
-                <a:ea typeface="Arial" panose="020B0604020202020204" pitchFamily="34" charset="0"/>
-              </a:rPr>
-              <a:t>anodiam.com/teacher/changepassword/{userid}</a:t>
-            </a:r>
-            <a:endParaRPr lang="en-AU" sz="1400" dirty="0"/>
+              <a:t>Signup – Teacher Signup page (continued)</a:t>
+            </a:r>
           </a:p>
         </p:txBody>
       </p:sp>
       <p:pic>
         <p:nvPicPr>
-          <p:cNvPr id="4" name="Picture 3"/>
+          <p:cNvPr id="5" name="Picture 4"/>
           <p:cNvPicPr>
             <a:picLocks noChangeAspect="1"/>
           </p:cNvPicPr>
           <p:nvPr/>
         </p:nvPicPr>
         <p:blipFill>
-          <a:blip r:embed="rId3"/>
+          <a:blip r:embed="rId4"/>
           <a:stretch>
             <a:fillRect/>
           </a:stretch>
         </p:blipFill>
         <p:spPr>
           <a:xfrm>
-            <a:off x="2629143" y="1848047"/>
-            <a:ext cx="3885714" cy="3161905"/>
+            <a:off x="857250" y="1124744"/>
+            <a:ext cx="7429500" cy="5619750"/>
           </a:xfrm>
           <a:prstGeom prst="rect">
             <a:avLst/>
@@ -6003,7 +5999,7 @@
     </p:spTree>
     <p:extLst>
       <p:ext uri="{BB962C8B-B14F-4D97-AF65-F5344CB8AC3E}">
-        <p14:creationId xmlns:p14="http://schemas.microsoft.com/office/powerpoint/2010/main" val="3351202465"/>
+        <p14:creationId xmlns:p14="http://schemas.microsoft.com/office/powerpoint/2010/main" val="3441860811"/>
       </p:ext>
     </p:extLst>
   </p:cSld>
@@ -6045,8 +6041,8 @@
         </p:nvSpPr>
         <p:spPr>
           <a:xfrm>
-            <a:off x="651119" y="332656"/>
-            <a:ext cx="7604389" cy="517065"/>
+            <a:off x="320096" y="332656"/>
+            <a:ext cx="8266430" cy="517065"/>
           </a:xfrm>
           <a:prstGeom prst="rect">
             <a:avLst/>
@@ -6085,7 +6081,7 @@
                 <a:latin typeface="Arial" panose="020B0604020202020204" pitchFamily="34" charset="0"/>
                 <a:ea typeface="Arial" panose="020B0604020202020204" pitchFamily="34" charset="0"/>
               </a:rPr>
-              <a:t>Signup – Create New Password page</a:t>
+              <a:t>Signup – Forget / Change Password page</a:t>
             </a:r>
             <a:endParaRPr lang="en-AU" sz="2400" dirty="0">
               <a:effectLst/>
@@ -6154,7 +6150,7 @@
                 <a:latin typeface="Arial" panose="020B0604020202020204" pitchFamily="34" charset="0"/>
                 <a:ea typeface="Arial" panose="020B0604020202020204" pitchFamily="34" charset="0"/>
               </a:rPr>
-              <a:t>anodiam.com/teacher/createpassword/{userid}</a:t>
+              <a:t>anodiam.com/teacher/changepassword/{userid}</a:t>
             </a:r>
             <a:endParaRPr lang="en-AU" sz="1400" dirty="0"/>
           </a:p>
@@ -6162,7 +6158,7 @@
       </p:sp>
       <p:pic>
         <p:nvPicPr>
-          <p:cNvPr id="5" name="Picture 4"/>
+          <p:cNvPr id="4" name="Picture 3"/>
           <p:cNvPicPr>
             <a:picLocks noChangeAspect="1"/>
           </p:cNvPicPr>
@@ -6176,8 +6172,8 @@
         </p:blipFill>
         <p:spPr>
           <a:xfrm>
-            <a:off x="2628900" y="1847850"/>
-            <a:ext cx="3886200" cy="3162300"/>
+            <a:off x="2629143" y="1848047"/>
+            <a:ext cx="3885714" cy="3161905"/>
           </a:xfrm>
           <a:prstGeom prst="rect">
             <a:avLst/>
@@ -6187,7 +6183,7 @@
     </p:spTree>
     <p:extLst>
       <p:ext uri="{BB962C8B-B14F-4D97-AF65-F5344CB8AC3E}">
-        <p14:creationId xmlns:p14="http://schemas.microsoft.com/office/powerpoint/2010/main" val="3970846613"/>
+        <p14:creationId xmlns:p14="http://schemas.microsoft.com/office/powerpoint/2010/main" val="3351202465"/>
       </p:ext>
     </p:extLst>
   </p:cSld>
@@ -6229,8 +6225,8 @@
         </p:nvSpPr>
         <p:spPr>
           <a:xfrm>
-            <a:off x="259859" y="332656"/>
-            <a:ext cx="8386911" cy="517065"/>
+            <a:off x="651119" y="332656"/>
+            <a:ext cx="7604389" cy="517065"/>
           </a:xfrm>
           <a:prstGeom prst="rect">
             <a:avLst/>
@@ -6269,7 +6265,7 @@
                 <a:latin typeface="Arial" panose="020B0604020202020204" pitchFamily="34" charset="0"/>
                 <a:ea typeface="Arial" panose="020B0604020202020204" pitchFamily="34" charset="0"/>
               </a:rPr>
-              <a:t>My Teacher Home / View All Courses page</a:t>
+              <a:t>Signup – Create New Password page</a:t>
             </a:r>
             <a:endParaRPr lang="en-AU" sz="2400" dirty="0">
               <a:effectLst/>
@@ -6338,14 +6334,15 @@
                 <a:latin typeface="Arial" panose="020B0604020202020204" pitchFamily="34" charset="0"/>
                 <a:ea typeface="Arial" panose="020B0604020202020204" pitchFamily="34" charset="0"/>
               </a:rPr>
-              <a:t>anodiam.com/teacher/myhome/{userid}</a:t>
-            </a:r>
+              <a:t>anodiam.com/teacher/createpassword/{userid}</a:t>
+            </a:r>
+            <a:endParaRPr lang="en-AU" sz="1400" dirty="0"/>
           </a:p>
         </p:txBody>
       </p:sp>
       <p:pic>
         <p:nvPicPr>
-          <p:cNvPr id="4" name="Picture 3"/>
+          <p:cNvPr id="5" name="Picture 4"/>
           <p:cNvPicPr>
             <a:picLocks noChangeAspect="1"/>
           </p:cNvPicPr>
@@ -6359,8 +6356,8 @@
         </p:blipFill>
         <p:spPr>
           <a:xfrm>
-            <a:off x="838200" y="1390650"/>
-            <a:ext cx="7467600" cy="4076700"/>
+            <a:off x="2628900" y="1847850"/>
+            <a:ext cx="3886200" cy="3162300"/>
           </a:xfrm>
           <a:prstGeom prst="rect">
             <a:avLst/>
@@ -6370,7 +6367,7 @@
     </p:spTree>
     <p:extLst>
       <p:ext uri="{BB962C8B-B14F-4D97-AF65-F5344CB8AC3E}">
-        <p14:creationId xmlns:p14="http://schemas.microsoft.com/office/powerpoint/2010/main" val="2902766637"/>
+        <p14:creationId xmlns:p14="http://schemas.microsoft.com/office/powerpoint/2010/main" val="3970846613"/>
       </p:ext>
     </p:extLst>
   </p:cSld>
@@ -6412,8 +6409,8 @@
         </p:nvSpPr>
         <p:spPr>
           <a:xfrm>
-            <a:off x="1052676" y="11870"/>
-            <a:ext cx="6801284" cy="711733"/>
+            <a:off x="259859" y="332656"/>
+            <a:ext cx="8386911" cy="517065"/>
           </a:xfrm>
           <a:prstGeom prst="rect">
             <a:avLst/>
@@ -6452,30 +6449,10 @@
                 <a:latin typeface="Arial" panose="020B0604020202020204" pitchFamily="34" charset="0"/>
                 <a:ea typeface="Arial" panose="020B0604020202020204" pitchFamily="34" charset="0"/>
               </a:rPr>
-              <a:t>Create Course page Outline tab</a:t>
-            </a:r>
-          </a:p>
-          <a:p>
-            <a:pPr algn="ctr">
-              <a:lnSpc>
-                <a:spcPct val="115000"/>
-              </a:lnSpc>
-            </a:pPr>
-            <a:r>
-              <a:rPr lang="en-US" sz="1100" b="1" dirty="0">
-                <a:latin typeface="Arial" panose="020B0604020202020204" pitchFamily="34" charset="0"/>
-                <a:ea typeface="Arial" panose="020B0604020202020204" pitchFamily="34" charset="0"/>
-              </a:rPr>
-              <a:t>** Only non-active courses can be </a:t>
-            </a:r>
-            <a:r>
-              <a:rPr lang="en-US" sz="1100" b="1" dirty="0" smtClean="0">
-                <a:latin typeface="Arial" panose="020B0604020202020204" pitchFamily="34" charset="0"/>
-                <a:ea typeface="Arial" panose="020B0604020202020204" pitchFamily="34" charset="0"/>
-              </a:rPr>
-              <a:t>deleted</a:t>
-            </a:r>
-            <a:endParaRPr lang="en-AU" sz="1100" dirty="0">
+              <a:t>My Teacher Home / View All Courses page</a:t>
+            </a:r>
+            <a:endParaRPr lang="en-AU" sz="2400" dirty="0">
+              <a:effectLst/>
               <a:latin typeface="Arial" panose="020B0604020202020204" pitchFamily="34" charset="0"/>
               <a:ea typeface="Arial" panose="020B0604020202020204" pitchFamily="34" charset="0"/>
             </a:endParaRPr>
@@ -6490,7 +6467,7 @@
         </p:nvSpPr>
         <p:spPr>
           <a:xfrm>
-            <a:off x="431032" y="620688"/>
+            <a:off x="431032" y="849721"/>
             <a:ext cx="8245424" cy="307777"/>
           </a:xfrm>
           <a:prstGeom prst="rect">
@@ -6541,7 +6518,7 @@
                 <a:latin typeface="Arial" panose="020B0604020202020204" pitchFamily="34" charset="0"/>
                 <a:ea typeface="Arial" panose="020B0604020202020204" pitchFamily="34" charset="0"/>
               </a:rPr>
-              <a:t>anodiam.com/teacher/addnewcourse</a:t>
+              <a:t>anodiam.com/teacher/myhome/{userid}</a:t>
             </a:r>
           </a:p>
         </p:txBody>
@@ -6562,8 +6539,8 @@
         </p:blipFill>
         <p:spPr>
           <a:xfrm>
-            <a:off x="838200" y="908720"/>
-            <a:ext cx="7467600" cy="5934075"/>
+            <a:off x="838200" y="1390650"/>
+            <a:ext cx="7467600" cy="4076700"/>
           </a:xfrm>
           <a:prstGeom prst="rect">
             <a:avLst/>
@@ -6573,7 +6550,7 @@
     </p:spTree>
     <p:extLst>
       <p:ext uri="{BB962C8B-B14F-4D97-AF65-F5344CB8AC3E}">
-        <p14:creationId xmlns:p14="http://schemas.microsoft.com/office/powerpoint/2010/main" val="398469580"/>
+        <p14:creationId xmlns:p14="http://schemas.microsoft.com/office/powerpoint/2010/main" val="2902766637"/>
       </p:ext>
     </p:extLst>
   </p:cSld>
@@ -6615,8 +6592,8 @@
         </p:nvSpPr>
         <p:spPr>
           <a:xfrm>
-            <a:off x="584278" y="-27384"/>
-            <a:ext cx="7738080" cy="729430"/>
+            <a:off x="1052676" y="11870"/>
+            <a:ext cx="6801284" cy="711733"/>
           </a:xfrm>
           <a:prstGeom prst="rect">
             <a:avLst/>
@@ -6655,39 +6632,30 @@
                 <a:latin typeface="Arial" panose="020B0604020202020204" pitchFamily="34" charset="0"/>
                 <a:ea typeface="Arial" panose="020B0604020202020204" pitchFamily="34" charset="0"/>
               </a:rPr>
-              <a:t>View</a:t>
-            </a:r>
-            <a:r>
-              <a:rPr lang="en-US" sz="2400" b="1" dirty="0">
-                <a:latin typeface="Arial" panose="020B0604020202020204" pitchFamily="34" charset="0"/>
-                <a:ea typeface="Arial" panose="020B0604020202020204" pitchFamily="34" charset="0"/>
-              </a:rPr>
-              <a:t>, Update Course page Outline tab</a:t>
-            </a:r>
-            <a:endParaRPr lang="en-US" sz="2400" b="1" dirty="0" smtClean="0">
-              <a:latin typeface="Arial" panose="020B0604020202020204" pitchFamily="34" charset="0"/>
-              <a:ea typeface="Arial" panose="020B0604020202020204" pitchFamily="34" charset="0"/>
-            </a:endParaRPr>
+              <a:t>Create Course page Outline tab</a:t>
+            </a:r>
           </a:p>
           <a:p>
             <a:pPr algn="ctr">
               <a:lnSpc>
                 <a:spcPct val="115000"/>
               </a:lnSpc>
-              <a:spcAft>
-                <a:spcPts val="0"/>
-              </a:spcAft>
             </a:pPr>
             <a:r>
-              <a:rPr lang="en-US" sz="1200" b="1" dirty="0" smtClean="0">
-                <a:effectLst/>
-                <a:latin typeface="Arial" panose="020B0604020202020204" pitchFamily="34" charset="0"/>
-                <a:ea typeface="Arial" panose="020B0604020202020204" pitchFamily="34" charset="0"/>
-              </a:rPr>
-              <a:t>** Only non-active courses can be deleted</a:t>
-            </a:r>
-            <a:endParaRPr lang="en-AU" sz="1200" dirty="0">
-              <a:effectLst/>
+              <a:rPr lang="en-US" sz="1100" b="1" dirty="0">
+                <a:latin typeface="Arial" panose="020B0604020202020204" pitchFamily="34" charset="0"/>
+                <a:ea typeface="Arial" panose="020B0604020202020204" pitchFamily="34" charset="0"/>
+              </a:rPr>
+              <a:t>** Only non-active courses can be </a:t>
+            </a:r>
+            <a:r>
+              <a:rPr lang="en-US" sz="1100" b="1" dirty="0" smtClean="0">
+                <a:latin typeface="Arial" panose="020B0604020202020204" pitchFamily="34" charset="0"/>
+                <a:ea typeface="Arial" panose="020B0604020202020204" pitchFamily="34" charset="0"/>
+              </a:rPr>
+              <a:t>deleted</a:t>
+            </a:r>
+            <a:endParaRPr lang="en-AU" sz="1100" dirty="0">
               <a:latin typeface="Arial" panose="020B0604020202020204" pitchFamily="34" charset="0"/>
               <a:ea typeface="Arial" panose="020B0604020202020204" pitchFamily="34" charset="0"/>
             </a:endParaRPr>
@@ -6702,7 +6670,7 @@
         </p:nvSpPr>
         <p:spPr>
           <a:xfrm>
-            <a:off x="431032" y="600943"/>
+            <a:off x="431032" y="620688"/>
             <a:ext cx="8245424" cy="307777"/>
           </a:xfrm>
           <a:prstGeom prst="rect">
@@ -6753,7 +6721,7 @@
                 <a:latin typeface="Arial" panose="020B0604020202020204" pitchFamily="34" charset="0"/>
                 <a:ea typeface="Arial" panose="020B0604020202020204" pitchFamily="34" charset="0"/>
               </a:rPr>
-              <a:t>anodiam.com/teacher/course/{courseid}</a:t>
+              <a:t>anodiam.com/teacher/addnewcourse</a:t>
             </a:r>
           </a:p>
         </p:txBody>
@@ -6774,7 +6742,7 @@
         </p:blipFill>
         <p:spPr>
           <a:xfrm>
-            <a:off x="838200" y="879301"/>
+            <a:off x="838200" y="908720"/>
             <a:ext cx="7467600" cy="5934075"/>
           </a:xfrm>
           <a:prstGeom prst="rect">
@@ -6785,7 +6753,7 @@
     </p:spTree>
     <p:extLst>
       <p:ext uri="{BB962C8B-B14F-4D97-AF65-F5344CB8AC3E}">
-        <p14:creationId xmlns:p14="http://schemas.microsoft.com/office/powerpoint/2010/main" val="754339063"/>
+        <p14:creationId xmlns:p14="http://schemas.microsoft.com/office/powerpoint/2010/main" val="398469580"/>
       </p:ext>
     </p:extLst>
   </p:cSld>
@@ -6827,8 +6795,8 @@
         </p:nvSpPr>
         <p:spPr>
           <a:xfrm>
-            <a:off x="1439006" y="11870"/>
-            <a:ext cx="6028637" cy="711733"/>
+            <a:off x="584278" y="-27384"/>
+            <a:ext cx="7738080" cy="729430"/>
           </a:xfrm>
           <a:prstGeom prst="rect">
             <a:avLst/>
@@ -6867,30 +6835,39 @@
                 <a:latin typeface="Arial" panose="020B0604020202020204" pitchFamily="34" charset="0"/>
                 <a:ea typeface="Arial" panose="020B0604020202020204" pitchFamily="34" charset="0"/>
               </a:rPr>
-              <a:t>Confirm Deletion dialogue</a:t>
-            </a:r>
+              <a:t>View</a:t>
+            </a:r>
+            <a:r>
+              <a:rPr lang="en-US" sz="2400" b="1" dirty="0">
+                <a:latin typeface="Arial" panose="020B0604020202020204" pitchFamily="34" charset="0"/>
+                <a:ea typeface="Arial" panose="020B0604020202020204" pitchFamily="34" charset="0"/>
+              </a:rPr>
+              <a:t>, Update Course page Outline tab</a:t>
+            </a:r>
+            <a:endParaRPr lang="en-US" sz="2400" b="1" dirty="0" smtClean="0">
+              <a:latin typeface="Arial" panose="020B0604020202020204" pitchFamily="34" charset="0"/>
+              <a:ea typeface="Arial" panose="020B0604020202020204" pitchFamily="34" charset="0"/>
+            </a:endParaRPr>
           </a:p>
           <a:p>
             <a:pPr algn="ctr">
               <a:lnSpc>
                 <a:spcPct val="115000"/>
               </a:lnSpc>
+              <a:spcAft>
+                <a:spcPts val="0"/>
+              </a:spcAft>
             </a:pPr>
             <a:r>
-              <a:rPr lang="en-US" sz="1100" b="1" dirty="0">
-                <a:latin typeface="Arial" panose="020B0604020202020204" pitchFamily="34" charset="0"/>
-                <a:ea typeface="Arial" panose="020B0604020202020204" pitchFamily="34" charset="0"/>
-              </a:rPr>
-              <a:t>** Only non-active courses can be </a:t>
-            </a:r>
-            <a:r>
-              <a:rPr lang="en-US" sz="1100" b="1" dirty="0" smtClean="0">
-                <a:latin typeface="Arial" panose="020B0604020202020204" pitchFamily="34" charset="0"/>
-                <a:ea typeface="Arial" panose="020B0604020202020204" pitchFamily="34" charset="0"/>
-              </a:rPr>
-              <a:t>deleted</a:t>
-            </a:r>
-            <a:endParaRPr lang="en-AU" sz="1100" dirty="0">
+              <a:rPr lang="en-US" sz="1200" b="1" dirty="0" smtClean="0">
+                <a:effectLst/>
+                <a:latin typeface="Arial" panose="020B0604020202020204" pitchFamily="34" charset="0"/>
+                <a:ea typeface="Arial" panose="020B0604020202020204" pitchFamily="34" charset="0"/>
+              </a:rPr>
+              <a:t>** Only non-active courses can be deleted</a:t>
+            </a:r>
+            <a:endParaRPr lang="en-AU" sz="1200" dirty="0">
+              <a:effectLst/>
               <a:latin typeface="Arial" panose="020B0604020202020204" pitchFamily="34" charset="0"/>
               <a:ea typeface="Arial" panose="020B0604020202020204" pitchFamily="34" charset="0"/>
             </a:endParaRPr>
@@ -6905,7 +6882,7 @@
         </p:nvSpPr>
         <p:spPr>
           <a:xfrm>
-            <a:off x="431032" y="672951"/>
+            <a:off x="431032" y="600943"/>
             <a:ext cx="8245424" cy="307777"/>
           </a:xfrm>
           <a:prstGeom prst="rect">
@@ -6956,14 +6933,14 @@
                 <a:latin typeface="Arial" panose="020B0604020202020204" pitchFamily="34" charset="0"/>
                 <a:ea typeface="Arial" panose="020B0604020202020204" pitchFamily="34" charset="0"/>
               </a:rPr>
-              <a:t>anodiam.com/teacher/deletecourse/{courseid}</a:t>
+              <a:t>anodiam.com/teacher/course/{courseid}</a:t>
             </a:r>
           </a:p>
         </p:txBody>
       </p:sp>
       <p:pic>
         <p:nvPicPr>
-          <p:cNvPr id="5" name="Picture 4"/>
+          <p:cNvPr id="4" name="Picture 3"/>
           <p:cNvPicPr>
             <a:picLocks noChangeAspect="1"/>
           </p:cNvPicPr>
@@ -6977,133 +6954,18 @@
         </p:blipFill>
         <p:spPr>
           <a:xfrm>
-            <a:off x="757808" y="1268760"/>
-            <a:ext cx="3886200" cy="3162300"/>
+            <a:off x="838200" y="879301"/>
+            <a:ext cx="7467600" cy="5934075"/>
           </a:xfrm>
           <a:prstGeom prst="rect">
             <a:avLst/>
           </a:prstGeom>
         </p:spPr>
       </p:pic>
-      <p:pic>
-        <p:nvPicPr>
-          <p:cNvPr id="6" name="Picture 5"/>
-          <p:cNvPicPr>
-            <a:picLocks noChangeAspect="1"/>
-          </p:cNvPicPr>
-          <p:nvPr/>
-        </p:nvPicPr>
-        <p:blipFill>
-          <a:blip r:embed="rId4"/>
-          <a:stretch>
-            <a:fillRect/>
-          </a:stretch>
-        </p:blipFill>
-        <p:spPr>
-          <a:xfrm>
-            <a:off x="4932040" y="2348880"/>
-            <a:ext cx="3886200" cy="3162300"/>
-          </a:xfrm>
-          <a:prstGeom prst="rect">
-            <a:avLst/>
-          </a:prstGeom>
-        </p:spPr>
-      </p:pic>
-      <p:sp>
-        <p:nvSpPr>
-          <p:cNvPr id="8" name="Rectangle 7"/>
-          <p:cNvSpPr/>
-          <p:nvPr/>
-        </p:nvSpPr>
-        <p:spPr>
-          <a:xfrm>
-            <a:off x="2843808" y="3429000"/>
-            <a:ext cx="360040" cy="1728192"/>
-          </a:xfrm>
-          <a:prstGeom prst="rect">
-            <a:avLst/>
-          </a:prstGeom>
-        </p:spPr>
-        <p:style>
-          <a:lnRef idx="2">
-            <a:schemeClr val="accent1">
-              <a:shade val="50000"/>
-            </a:schemeClr>
-          </a:lnRef>
-          <a:fillRef idx="1">
-            <a:schemeClr val="accent1"/>
-          </a:fillRef>
-          <a:effectRef idx="0">
-            <a:schemeClr val="accent1"/>
-          </a:effectRef>
-          <a:fontRef idx="minor">
-            <a:schemeClr val="lt1"/>
-          </a:fontRef>
-        </p:style>
-        <p:txBody>
-          <a:bodyPr rtlCol="0" anchor="ctr"/>
-          <a:lstStyle/>
-          <a:p>
-            <a:pPr algn="ctr"/>
-            <a:endParaRPr lang="en-AU" dirty="0"/>
-          </a:p>
-        </p:txBody>
-      </p:sp>
-      <p:sp>
-        <p:nvSpPr>
-          <p:cNvPr id="9" name="Right Arrow 8"/>
-          <p:cNvSpPr/>
-          <p:nvPr/>
-        </p:nvSpPr>
-        <p:spPr>
-          <a:xfrm>
-            <a:off x="2843808" y="4725144"/>
-            <a:ext cx="2664296" cy="582116"/>
-          </a:xfrm>
-          <a:prstGeom prst="rightArrow">
-            <a:avLst/>
-          </a:prstGeom>
-        </p:spPr>
-        <p:style>
-          <a:lnRef idx="2">
-            <a:schemeClr val="accent1">
-              <a:shade val="50000"/>
-            </a:schemeClr>
-          </a:lnRef>
-          <a:fillRef idx="1">
-            <a:schemeClr val="accent1"/>
-          </a:fillRef>
-          <a:effectRef idx="0">
-            <a:schemeClr val="accent1"/>
-          </a:effectRef>
-          <a:fontRef idx="minor">
-            <a:schemeClr val="lt1"/>
-          </a:fontRef>
-        </p:style>
-        <p:txBody>
-          <a:bodyPr rtlCol="0" anchor="ctr"/>
-          <a:lstStyle/>
-          <a:p>
-            <a:pPr algn="ctr"/>
-            <a:r>
-              <a:rPr lang="en-AU" sz="1000" dirty="0" smtClean="0"/>
-              <a:t>On confirmation of Course / Content name</a:t>
-            </a:r>
-          </a:p>
-          <a:p>
-            <a:pPr algn="ctr"/>
-            <a:r>
-              <a:rPr lang="en-AU" sz="1000" dirty="0" smtClean="0"/>
-              <a:t>Delete button is enabled </a:t>
-            </a:r>
-            <a:endParaRPr lang="en-AU" sz="1000" dirty="0"/>
-          </a:p>
-        </p:txBody>
-      </p:sp>
     </p:spTree>
     <p:extLst>
       <p:ext uri="{BB962C8B-B14F-4D97-AF65-F5344CB8AC3E}">
-        <p14:creationId xmlns:p14="http://schemas.microsoft.com/office/powerpoint/2010/main" val="3897379988"/>
+        <p14:creationId xmlns:p14="http://schemas.microsoft.com/office/powerpoint/2010/main" val="754339063"/>
       </p:ext>
     </p:extLst>
   </p:cSld>
@@ -7145,8 +7007,8 @@
         </p:nvSpPr>
         <p:spPr>
           <a:xfrm>
-            <a:off x="582996" y="11870"/>
-            <a:ext cx="7740645" cy="517065"/>
+            <a:off x="1439006" y="11870"/>
+            <a:ext cx="6028637" cy="711733"/>
           </a:xfrm>
           <a:prstGeom prst="rect">
             <a:avLst/>
@@ -7185,10 +7047,30 @@
                 <a:latin typeface="Arial" panose="020B0604020202020204" pitchFamily="34" charset="0"/>
                 <a:ea typeface="Arial" panose="020B0604020202020204" pitchFamily="34" charset="0"/>
               </a:rPr>
-              <a:t>Create / Edit Course page Content tab</a:t>
-            </a:r>
-            <a:endParaRPr lang="en-AU" sz="2400" dirty="0">
-              <a:effectLst/>
+              <a:t>Confirm Deletion dialogue</a:t>
+            </a:r>
+          </a:p>
+          <a:p>
+            <a:pPr algn="ctr">
+              <a:lnSpc>
+                <a:spcPct val="115000"/>
+              </a:lnSpc>
+            </a:pPr>
+            <a:r>
+              <a:rPr lang="en-US" sz="1100" b="1" dirty="0">
+                <a:latin typeface="Arial" panose="020B0604020202020204" pitchFamily="34" charset="0"/>
+                <a:ea typeface="Arial" panose="020B0604020202020204" pitchFamily="34" charset="0"/>
+              </a:rPr>
+              <a:t>** Only non-active courses can be </a:t>
+            </a:r>
+            <a:r>
+              <a:rPr lang="en-US" sz="1100" b="1" dirty="0" smtClean="0">
+                <a:latin typeface="Arial" panose="020B0604020202020204" pitchFamily="34" charset="0"/>
+                <a:ea typeface="Arial" panose="020B0604020202020204" pitchFamily="34" charset="0"/>
+              </a:rPr>
+              <a:t>deleted</a:t>
+            </a:r>
+            <a:endParaRPr lang="en-AU" sz="1100" dirty="0">
               <a:latin typeface="Arial" panose="020B0604020202020204" pitchFamily="34" charset="0"/>
               <a:ea typeface="Arial" panose="020B0604020202020204" pitchFamily="34" charset="0"/>
             </a:endParaRPr>
@@ -7203,8 +7085,8 @@
         </p:nvSpPr>
         <p:spPr>
           <a:xfrm>
-            <a:off x="449288" y="409468"/>
-            <a:ext cx="8245424" cy="523220"/>
+            <a:off x="431032" y="672951"/>
+            <a:ext cx="8245424" cy="307777"/>
           </a:xfrm>
           <a:prstGeom prst="rect">
             <a:avLst/>
@@ -7244,52 +7126,48 @@
                 <a:ea typeface="Arial" panose="020B0604020202020204" pitchFamily="34" charset="0"/>
                 <a:hlinkClick r:id="rId2"/>
               </a:rPr>
-              <a:t>://anodiam.com/teacher/addnewcourse</a:t>
-            </a:r>
-            <a:endParaRPr lang="en-US" sz="1400" u="sng" dirty="0" smtClean="0">
-              <a:solidFill>
-                <a:srgbClr val="0000FF"/>
-              </a:solidFill>
-              <a:latin typeface="Arial" panose="020B0604020202020204" pitchFamily="34" charset="0"/>
-              <a:ea typeface="Arial" panose="020B0604020202020204" pitchFamily="34" charset="0"/>
-            </a:endParaRPr>
-          </a:p>
-          <a:p>
-            <a:pPr algn="ctr"/>
-            <a:r>
-              <a:rPr lang="en-US" sz="1400" u="sng" dirty="0">
+              <a:t>://</a:t>
+            </a:r>
+            <a:r>
+              <a:rPr lang="en-US" sz="1400" u="sng" dirty="0" smtClean="0">
                 <a:solidFill>
                   <a:srgbClr val="0000FF"/>
                 </a:solidFill>
                 <a:latin typeface="Arial" panose="020B0604020202020204" pitchFamily="34" charset="0"/>
                 <a:ea typeface="Arial" panose="020B0604020202020204" pitchFamily="34" charset="0"/>
-                <a:hlinkClick r:id="rId3"/>
-              </a:rPr>
-              <a:t>https://</a:t>
-            </a:r>
-            <a:r>
-              <a:rPr lang="en-US" sz="1400" u="sng" dirty="0">
-                <a:solidFill>
-                  <a:srgbClr val="0000FF"/>
-                </a:solidFill>
-                <a:latin typeface="Arial" panose="020B0604020202020204" pitchFamily="34" charset="0"/>
-                <a:ea typeface="Arial" panose="020B0604020202020204" pitchFamily="34" charset="0"/>
-              </a:rPr>
-              <a:t>anodiam.com/teacher/course/{courseid}</a:t>
-            </a:r>
-            <a:endParaRPr lang="en-US" sz="1400" u="sng" dirty="0" smtClean="0">
-              <a:solidFill>
-                <a:srgbClr val="0000FF"/>
-              </a:solidFill>
-              <a:latin typeface="Arial" panose="020B0604020202020204" pitchFamily="34" charset="0"/>
-              <a:ea typeface="Arial" panose="020B0604020202020204" pitchFamily="34" charset="0"/>
-            </a:endParaRPr>
+              </a:rPr>
+              <a:t>anodiam.com/teacher/deletecourse/{courseid}</a:t>
+            </a:r>
           </a:p>
         </p:txBody>
       </p:sp>
       <p:pic>
         <p:nvPicPr>
-          <p:cNvPr id="4" name="Picture 3"/>
+          <p:cNvPr id="5" name="Picture 4"/>
+          <p:cNvPicPr>
+            <a:picLocks noChangeAspect="1"/>
+          </p:cNvPicPr>
+          <p:nvPr/>
+        </p:nvPicPr>
+        <p:blipFill>
+          <a:blip r:embed="rId3"/>
+          <a:stretch>
+            <a:fillRect/>
+          </a:stretch>
+        </p:blipFill>
+        <p:spPr>
+          <a:xfrm>
+            <a:off x="757808" y="1268760"/>
+            <a:ext cx="3886200" cy="3162300"/>
+          </a:xfrm>
+          <a:prstGeom prst="rect">
+            <a:avLst/>
+          </a:prstGeom>
+        </p:spPr>
+      </p:pic>
+      <p:pic>
+        <p:nvPicPr>
+          <p:cNvPr id="6" name="Picture 5"/>
           <p:cNvPicPr>
             <a:picLocks noChangeAspect="1"/>
           </p:cNvPicPr>
@@ -7303,18 +7181,109 @@
         </p:blipFill>
         <p:spPr>
           <a:xfrm>
-            <a:off x="838200" y="908720"/>
-            <a:ext cx="7467600" cy="5934075"/>
+            <a:off x="4932040" y="2348880"/>
+            <a:ext cx="3886200" cy="3162300"/>
           </a:xfrm>
           <a:prstGeom prst="rect">
             <a:avLst/>
           </a:prstGeom>
         </p:spPr>
       </p:pic>
+      <p:sp>
+        <p:nvSpPr>
+          <p:cNvPr id="8" name="Rectangle 7"/>
+          <p:cNvSpPr/>
+          <p:nvPr/>
+        </p:nvSpPr>
+        <p:spPr>
+          <a:xfrm>
+            <a:off x="2843808" y="3429000"/>
+            <a:ext cx="360040" cy="1728192"/>
+          </a:xfrm>
+          <a:prstGeom prst="rect">
+            <a:avLst/>
+          </a:prstGeom>
+        </p:spPr>
+        <p:style>
+          <a:lnRef idx="2">
+            <a:schemeClr val="accent1">
+              <a:shade val="50000"/>
+            </a:schemeClr>
+          </a:lnRef>
+          <a:fillRef idx="1">
+            <a:schemeClr val="accent1"/>
+          </a:fillRef>
+          <a:effectRef idx="0">
+            <a:schemeClr val="accent1"/>
+          </a:effectRef>
+          <a:fontRef idx="minor">
+            <a:schemeClr val="lt1"/>
+          </a:fontRef>
+        </p:style>
+        <p:txBody>
+          <a:bodyPr rtlCol="0" anchor="ctr"/>
+          <a:lstStyle/>
+          <a:p>
+            <a:pPr algn="ctr"/>
+            <a:endParaRPr lang="en-AU" dirty="0"/>
+          </a:p>
+        </p:txBody>
+      </p:sp>
+      <p:sp>
+        <p:nvSpPr>
+          <p:cNvPr id="9" name="Right Arrow 8"/>
+          <p:cNvSpPr/>
+          <p:nvPr/>
+        </p:nvSpPr>
+        <p:spPr>
+          <a:xfrm>
+            <a:off x="2843808" y="4725144"/>
+            <a:ext cx="2664296" cy="582116"/>
+          </a:xfrm>
+          <a:prstGeom prst="rightArrow">
+            <a:avLst/>
+          </a:prstGeom>
+        </p:spPr>
+        <p:style>
+          <a:lnRef idx="2">
+            <a:schemeClr val="accent1">
+              <a:shade val="50000"/>
+            </a:schemeClr>
+          </a:lnRef>
+          <a:fillRef idx="1">
+            <a:schemeClr val="accent1"/>
+          </a:fillRef>
+          <a:effectRef idx="0">
+            <a:schemeClr val="accent1"/>
+          </a:effectRef>
+          <a:fontRef idx="minor">
+            <a:schemeClr val="lt1"/>
+          </a:fontRef>
+        </p:style>
+        <p:txBody>
+          <a:bodyPr rtlCol="0" anchor="ctr"/>
+          <a:lstStyle/>
+          <a:p>
+            <a:pPr algn="ctr"/>
+            <a:r>
+              <a:rPr lang="en-AU" sz="1000" dirty="0" smtClean="0"/>
+              <a:t>On confirmation of Course / Content name</a:t>
+            </a:r>
+          </a:p>
+          <a:p>
+            <a:pPr algn="ctr"/>
+            <a:r>
+              <a:rPr lang="en-AU" sz="1000" dirty="0" smtClean="0"/>
+              <a:t>Delete button is enabled </a:t>
+            </a:r>
+            <a:endParaRPr lang="en-AU" sz="1000" dirty="0"/>
+          </a:p>
+        </p:txBody>
+      </p:sp>
     </p:spTree>
     <p:extLst>
       <p:ext uri="{BB962C8B-B14F-4D97-AF65-F5344CB8AC3E}">
-        <p14:creationId xmlns:p14="http://schemas.microsoft.com/office/powerpoint/2010/main" val="2381912939"/>
+        <p14:creationId xmlns:p14="http://schemas.microsoft.com/office/powerpoint/2010/main" val="3897379988"/>
       </p:ext>
     </p:extLst>
   </p:cSld>
@@ -7356,8 +7325,8 @@
         </p:nvSpPr>
         <p:spPr>
           <a:xfrm>
-            <a:off x="-47775" y="11870"/>
-            <a:ext cx="9002208" cy="480901"/>
+            <a:off x="582996" y="11870"/>
+            <a:ext cx="7740645" cy="517065"/>
           </a:xfrm>
           <a:prstGeom prst="rect">
             <a:avLst/>
@@ -7396,7 +7365,7 @@
                 <a:latin typeface="Arial" panose="020B0604020202020204" pitchFamily="34" charset="0"/>
                 <a:ea typeface="Arial" panose="020B0604020202020204" pitchFamily="34" charset="0"/>
               </a:rPr>
-              <a:t>Content Detail (Add / Update / Delete) dialogue</a:t>
+              <a:t>Create / Edit Course page Content tab</a:t>
             </a:r>
             <a:endParaRPr lang="en-AU" sz="2400" dirty="0">
               <a:effectLst/>
@@ -7414,7 +7383,7 @@
         </p:nvSpPr>
         <p:spPr>
           <a:xfrm>
-            <a:off x="431032" y="528935"/>
+            <a:off x="449288" y="409468"/>
             <a:ext cx="8245424" cy="523220"/>
           </a:xfrm>
           <a:prstGeom prst="rect">
@@ -7455,7 +7424,7 @@
                 <a:ea typeface="Arial" panose="020B0604020202020204" pitchFamily="34" charset="0"/>
                 <a:hlinkClick r:id="rId2"/>
               </a:rPr>
-              <a:t>://anodiam.com/teacher/addnewcontent</a:t>
+              <a:t>://anodiam.com/teacher/addnewcourse</a:t>
             </a:r>
             <a:endParaRPr lang="en-US" sz="1400" u="sng" dirty="0" smtClean="0">
               <a:solidFill>
@@ -7479,58 +7448,16 @@
               <a:t>https://</a:t>
             </a:r>
             <a:r>
-              <a:rPr lang="en-US" sz="1400" u="sng" dirty="0" smtClean="0">
-                <a:solidFill>
-                  <a:srgbClr val="0000FF"/>
-                </a:solidFill>
-                <a:latin typeface="Arial" panose="020B0604020202020204" pitchFamily="34" charset="0"/>
-                <a:ea typeface="Arial" panose="020B0604020202020204" pitchFamily="34" charset="0"/>
-              </a:rPr>
-              <a:t>anodiam.com/teacher/</a:t>
-            </a:r>
-            <a:r>
               <a:rPr lang="en-US" sz="1400" u="sng" dirty="0">
                 <a:solidFill>
                   <a:srgbClr val="0000FF"/>
                 </a:solidFill>
                 <a:latin typeface="Arial" panose="020B0604020202020204" pitchFamily="34" charset="0"/>
                 <a:ea typeface="Arial" panose="020B0604020202020204" pitchFamily="34" charset="0"/>
-                <a:hlinkClick r:id="rId2"/>
-              </a:rPr>
-              <a:t>content</a:t>
-            </a:r>
-            <a:r>
-              <a:rPr lang="en-US" sz="1400" u="sng" dirty="0" smtClean="0">
-                <a:solidFill>
-                  <a:srgbClr val="0000FF"/>
-                </a:solidFill>
-                <a:latin typeface="Arial" panose="020B0604020202020204" pitchFamily="34" charset="0"/>
-                <a:ea typeface="Arial" panose="020B0604020202020204" pitchFamily="34" charset="0"/>
-              </a:rPr>
-              <a:t>/{</a:t>
-            </a:r>
-            <a:r>
-              <a:rPr lang="en-US" sz="1400" u="sng" dirty="0">
-                <a:solidFill>
-                  <a:srgbClr val="0000FF"/>
-                </a:solidFill>
-                <a:latin typeface="Arial" panose="020B0604020202020204" pitchFamily="34" charset="0"/>
-                <a:ea typeface="Arial" panose="020B0604020202020204" pitchFamily="34" charset="0"/>
-                <a:hlinkClick r:id="rId2"/>
-              </a:rPr>
-              <a:t>content</a:t>
-            </a:r>
-            <a:r>
-              <a:rPr lang="en-US" sz="1400" u="sng" dirty="0" smtClean="0">
-                <a:solidFill>
-                  <a:srgbClr val="0000FF"/>
-                </a:solidFill>
-                <a:latin typeface="Arial" panose="020B0604020202020204" pitchFamily="34" charset="0"/>
-                <a:ea typeface="Arial" panose="020B0604020202020204" pitchFamily="34" charset="0"/>
-              </a:rPr>
-              <a:t>id}</a:t>
-            </a:r>
-            <a:endParaRPr lang="en-US" sz="1400" u="sng" dirty="0">
+              </a:rPr>
+              <a:t>anodiam.com/teacher/course/{courseid}</a:t>
+            </a:r>
+            <a:endParaRPr lang="en-US" sz="1400" u="sng" dirty="0" smtClean="0">
               <a:solidFill>
                 <a:srgbClr val="0000FF"/>
               </a:solidFill>
@@ -7542,7 +7469,7 @@
       </p:sp>
       <p:pic>
         <p:nvPicPr>
-          <p:cNvPr id="5" name="Picture 4"/>
+          <p:cNvPr id="4" name="Picture 3"/>
           <p:cNvPicPr>
             <a:picLocks noChangeAspect="1"/>
           </p:cNvPicPr>
@@ -7556,8 +7483,8 @@
         </p:blipFill>
         <p:spPr>
           <a:xfrm>
-            <a:off x="1143000" y="1776412"/>
-            <a:ext cx="6858000" cy="3305175"/>
+            <a:off x="838200" y="908720"/>
+            <a:ext cx="7467600" cy="5934075"/>
           </a:xfrm>
           <a:prstGeom prst="rect">
             <a:avLst/>
@@ -7567,7 +7494,7 @@
     </p:spTree>
     <p:extLst>
       <p:ext uri="{BB962C8B-B14F-4D97-AF65-F5344CB8AC3E}">
-        <p14:creationId xmlns:p14="http://schemas.microsoft.com/office/powerpoint/2010/main" val="405991298"/>
+        <p14:creationId xmlns:p14="http://schemas.microsoft.com/office/powerpoint/2010/main" val="2381912939"/>
       </p:ext>
     </p:extLst>
   </p:cSld>
@@ -7609,8 +7536,8 @@
         </p:nvSpPr>
         <p:spPr>
           <a:xfrm>
-            <a:off x="155798" y="11870"/>
-            <a:ext cx="8595046" cy="517065"/>
+            <a:off x="-47775" y="11870"/>
+            <a:ext cx="9002208" cy="480901"/>
           </a:xfrm>
           <a:prstGeom prst="rect">
             <a:avLst/>
@@ -7649,21 +7576,7 @@
                 <a:latin typeface="Arial" panose="020B0604020202020204" pitchFamily="34" charset="0"/>
                 <a:ea typeface="Arial" panose="020B0604020202020204" pitchFamily="34" charset="0"/>
               </a:rPr>
-              <a:t>Create </a:t>
-            </a:r>
-            <a:r>
-              <a:rPr lang="en-US" sz="2400" b="1" dirty="0">
-                <a:latin typeface="Arial" panose="020B0604020202020204" pitchFamily="34" charset="0"/>
-                <a:ea typeface="Arial" panose="020B0604020202020204" pitchFamily="34" charset="0"/>
-              </a:rPr>
-              <a:t>/ Edit Course </a:t>
-            </a:r>
-            <a:r>
-              <a:rPr lang="en-US" sz="2400" b="1" dirty="0" smtClean="0">
-                <a:latin typeface="Arial" panose="020B0604020202020204" pitchFamily="34" charset="0"/>
-                <a:ea typeface="Arial" panose="020B0604020202020204" pitchFamily="34" charset="0"/>
-              </a:rPr>
-              <a:t>page Business Info tab</a:t>
+              <a:t>Content Detail (Add / Update / Delete) dialogue</a:t>
             </a:r>
             <a:endParaRPr lang="en-AU" sz="2400" dirty="0">
               <a:effectLst/>
@@ -7675,13 +7588,13 @@
       </p:sp>
       <p:sp>
         <p:nvSpPr>
-          <p:cNvPr id="5" name="Rectangle 4"/>
+          <p:cNvPr id="3" name="Rectangle 2"/>
           <p:cNvSpPr/>
           <p:nvPr/>
         </p:nvSpPr>
         <p:spPr>
           <a:xfrm>
-            <a:off x="449288" y="409468"/>
+            <a:off x="431032" y="528935"/>
             <a:ext cx="8245424" cy="523220"/>
           </a:xfrm>
           <a:prstGeom prst="rect">
@@ -7722,7 +7635,7 @@
                 <a:ea typeface="Arial" panose="020B0604020202020204" pitchFamily="34" charset="0"/>
                 <a:hlinkClick r:id="rId2"/>
               </a:rPr>
-              <a:t>://anodiam.com/teacher/addnewcourse</a:t>
+              <a:t>://anodiam.com/teacher/addnewcontent</a:t>
             </a:r>
             <a:endParaRPr lang="en-US" sz="1400" u="sng" dirty="0" smtClean="0">
               <a:solidFill>
@@ -7746,16 +7659,58 @@
               <a:t>https://</a:t>
             </a:r>
             <a:r>
+              <a:rPr lang="en-US" sz="1400" u="sng" dirty="0" smtClean="0">
+                <a:solidFill>
+                  <a:srgbClr val="0000FF"/>
+                </a:solidFill>
+                <a:latin typeface="Arial" panose="020B0604020202020204" pitchFamily="34" charset="0"/>
+                <a:ea typeface="Arial" panose="020B0604020202020204" pitchFamily="34" charset="0"/>
+              </a:rPr>
+              <a:t>anodiam.com/teacher/</a:t>
+            </a:r>
+            <a:r>
               <a:rPr lang="en-US" sz="1400" u="sng" dirty="0">
                 <a:solidFill>
                   <a:srgbClr val="0000FF"/>
                 </a:solidFill>
                 <a:latin typeface="Arial" panose="020B0604020202020204" pitchFamily="34" charset="0"/>
                 <a:ea typeface="Arial" panose="020B0604020202020204" pitchFamily="34" charset="0"/>
-              </a:rPr>
-              <a:t>anodiam.com/teacher/course/{courseid}</a:t>
-            </a:r>
-            <a:endParaRPr lang="en-US" sz="1400" u="sng" dirty="0" smtClean="0">
+                <a:hlinkClick r:id="rId2"/>
+              </a:rPr>
+              <a:t>content</a:t>
+            </a:r>
+            <a:r>
+              <a:rPr lang="en-US" sz="1400" u="sng" dirty="0" smtClean="0">
+                <a:solidFill>
+                  <a:srgbClr val="0000FF"/>
+                </a:solidFill>
+                <a:latin typeface="Arial" panose="020B0604020202020204" pitchFamily="34" charset="0"/>
+                <a:ea typeface="Arial" panose="020B0604020202020204" pitchFamily="34" charset="0"/>
+              </a:rPr>
+              <a:t>/{</a:t>
+            </a:r>
+            <a:r>
+              <a:rPr lang="en-US" sz="1400" u="sng" dirty="0">
+                <a:solidFill>
+                  <a:srgbClr val="0000FF"/>
+                </a:solidFill>
+                <a:latin typeface="Arial" panose="020B0604020202020204" pitchFamily="34" charset="0"/>
+                <a:ea typeface="Arial" panose="020B0604020202020204" pitchFamily="34" charset="0"/>
+                <a:hlinkClick r:id="rId2"/>
+              </a:rPr>
+              <a:t>content</a:t>
+            </a:r>
+            <a:r>
+              <a:rPr lang="en-US" sz="1400" u="sng" dirty="0" smtClean="0">
+                <a:solidFill>
+                  <a:srgbClr val="0000FF"/>
+                </a:solidFill>
+                <a:latin typeface="Arial" panose="020B0604020202020204" pitchFamily="34" charset="0"/>
+                <a:ea typeface="Arial" panose="020B0604020202020204" pitchFamily="34" charset="0"/>
+              </a:rPr>
+              <a:t>id}</a:t>
+            </a:r>
+            <a:endParaRPr lang="en-US" sz="1400" u="sng" dirty="0">
               <a:solidFill>
                 <a:srgbClr val="0000FF"/>
               </a:solidFill>
@@ -7767,7 +7722,7 @@
       </p:sp>
       <p:pic>
         <p:nvPicPr>
-          <p:cNvPr id="3" name="Picture 2"/>
+          <p:cNvPr id="5" name="Picture 4"/>
           <p:cNvPicPr>
             <a:picLocks noChangeAspect="1"/>
           </p:cNvPicPr>
@@ -7781,8 +7736,8 @@
         </p:blipFill>
         <p:spPr>
           <a:xfrm>
-            <a:off x="838200" y="908720"/>
-            <a:ext cx="7467600" cy="5934075"/>
+            <a:off x="1143000" y="1776412"/>
+            <a:ext cx="6858000" cy="3305175"/>
           </a:xfrm>
           <a:prstGeom prst="rect">
             <a:avLst/>
@@ -7792,7 +7747,7 @@
     </p:spTree>
     <p:extLst>
       <p:ext uri="{BB962C8B-B14F-4D97-AF65-F5344CB8AC3E}">
-        <p14:creationId xmlns:p14="http://schemas.microsoft.com/office/powerpoint/2010/main" val="1838917736"/>
+        <p14:creationId xmlns:p14="http://schemas.microsoft.com/office/powerpoint/2010/main" val="405991298"/>
       </p:ext>
     </p:extLst>
   </p:cSld>
@@ -7834,8 +7789,8 @@
         </p:nvSpPr>
         <p:spPr>
           <a:xfrm>
-            <a:off x="-10012" y="11870"/>
-            <a:ext cx="8926674" cy="517065"/>
+            <a:off x="155798" y="11870"/>
+            <a:ext cx="8595046" cy="517065"/>
           </a:xfrm>
           <a:prstGeom prst="rect">
             <a:avLst/>
@@ -7888,7 +7843,7 @@
                 <a:latin typeface="Arial" panose="020B0604020202020204" pitchFamily="34" charset="0"/>
                 <a:ea typeface="Arial" panose="020B0604020202020204" pitchFamily="34" charset="0"/>
               </a:rPr>
-              <a:t>page Approval Status tab</a:t>
+              <a:t>page Business Info tab</a:t>
             </a:r>
             <a:endParaRPr lang="en-AU" sz="2400" dirty="0">
               <a:effectLst/>
@@ -7906,7 +7861,7 @@
         </p:nvSpPr>
         <p:spPr>
           <a:xfrm>
-            <a:off x="449288" y="385500"/>
+            <a:off x="449288" y="409468"/>
             <a:ext cx="8245424" cy="523220"/>
           </a:xfrm>
           <a:prstGeom prst="rect">
@@ -8006,7 +7961,7 @@
         </p:blipFill>
         <p:spPr>
           <a:xfrm>
-            <a:off x="838200" y="879301"/>
+            <a:off x="838200" y="908720"/>
             <a:ext cx="7467600" cy="5934075"/>
           </a:xfrm>
           <a:prstGeom prst="rect">
@@ -8017,7 +7972,7 @@
     </p:spTree>
     <p:extLst>
       <p:ext uri="{BB962C8B-B14F-4D97-AF65-F5344CB8AC3E}">
-        <p14:creationId xmlns:p14="http://schemas.microsoft.com/office/powerpoint/2010/main" val="1174313750"/>
+        <p14:creationId xmlns:p14="http://schemas.microsoft.com/office/powerpoint/2010/main" val="1838917736"/>
       </p:ext>
     </p:extLst>
   </p:cSld>
@@ -8229,8 +8184,8 @@
         </p:nvSpPr>
         <p:spPr>
           <a:xfrm>
-            <a:off x="1504030" y="11870"/>
-            <a:ext cx="5898602" cy="480901"/>
+            <a:off x="-10012" y="11870"/>
+            <a:ext cx="8926674" cy="517065"/>
           </a:xfrm>
           <a:prstGeom prst="rect">
             <a:avLst/>
@@ -8269,7 +8224,21 @@
                 <a:latin typeface="Arial" panose="020B0604020202020204" pitchFamily="34" charset="0"/>
                 <a:ea typeface="Arial" panose="020B0604020202020204" pitchFamily="34" charset="0"/>
               </a:rPr>
-              <a:t>Approval Status dialogue</a:t>
+              <a:t>Create </a:t>
+            </a:r>
+            <a:r>
+              <a:rPr lang="en-US" sz="2400" b="1" dirty="0">
+                <a:latin typeface="Arial" panose="020B0604020202020204" pitchFamily="34" charset="0"/>
+                <a:ea typeface="Arial" panose="020B0604020202020204" pitchFamily="34" charset="0"/>
+              </a:rPr>
+              <a:t>/ Edit Course </a:t>
+            </a:r>
+            <a:r>
+              <a:rPr lang="en-US" sz="2400" b="1" dirty="0" smtClean="0">
+                <a:latin typeface="Arial" panose="020B0604020202020204" pitchFamily="34" charset="0"/>
+                <a:ea typeface="Arial" panose="020B0604020202020204" pitchFamily="34" charset="0"/>
+              </a:rPr>
+              <a:t>page Approval Status tab</a:t>
             </a:r>
             <a:endParaRPr lang="en-AU" sz="2400" dirty="0">
               <a:effectLst/>
@@ -8281,14 +8250,14 @@
       </p:sp>
       <p:sp>
         <p:nvSpPr>
-          <p:cNvPr id="3" name="Rectangle 2"/>
+          <p:cNvPr id="5" name="Rectangle 4"/>
           <p:cNvSpPr/>
           <p:nvPr/>
         </p:nvSpPr>
         <p:spPr>
           <a:xfrm>
-            <a:off x="431032" y="528935"/>
-            <a:ext cx="8245424" cy="307777"/>
+            <a:off x="449288" y="385500"/>
+            <a:ext cx="8245424" cy="523220"/>
           </a:xfrm>
           <a:prstGeom prst="rect">
             <a:avLst/>
@@ -8328,7 +8297,7 @@
                 <a:ea typeface="Arial" panose="020B0604020202020204" pitchFamily="34" charset="0"/>
                 <a:hlinkClick r:id="rId2"/>
               </a:rPr>
-              <a:t>://anodiam.com/teacher/addnewstatus</a:t>
+              <a:t>://anodiam.com/teacher/addnewcourse</a:t>
             </a:r>
             <a:endParaRPr lang="en-US" sz="1400" u="sng" dirty="0" smtClean="0">
               <a:solidFill>
@@ -8338,26 +8307,57 @@
               <a:ea typeface="Arial" panose="020B0604020202020204" pitchFamily="34" charset="0"/>
             </a:endParaRPr>
           </a:p>
+          <a:p>
+            <a:pPr algn="ctr"/>
+            <a:r>
+              <a:rPr lang="en-US" sz="1400" u="sng" dirty="0">
+                <a:solidFill>
+                  <a:srgbClr val="0000FF"/>
+                </a:solidFill>
+                <a:latin typeface="Arial" panose="020B0604020202020204" pitchFamily="34" charset="0"/>
+                <a:ea typeface="Arial" panose="020B0604020202020204" pitchFamily="34" charset="0"/>
+                <a:hlinkClick r:id="rId3"/>
+              </a:rPr>
+              <a:t>https://</a:t>
+            </a:r>
+            <a:r>
+              <a:rPr lang="en-US" sz="1400" u="sng" dirty="0">
+                <a:solidFill>
+                  <a:srgbClr val="0000FF"/>
+                </a:solidFill>
+                <a:latin typeface="Arial" panose="020B0604020202020204" pitchFamily="34" charset="0"/>
+                <a:ea typeface="Arial" panose="020B0604020202020204" pitchFamily="34" charset="0"/>
+              </a:rPr>
+              <a:t>anodiam.com/teacher/course/{courseid}</a:t>
+            </a:r>
+            <a:endParaRPr lang="en-US" sz="1400" u="sng" dirty="0" smtClean="0">
+              <a:solidFill>
+                <a:srgbClr val="0000FF"/>
+              </a:solidFill>
+              <a:latin typeface="Arial" panose="020B0604020202020204" pitchFamily="34" charset="0"/>
+              <a:ea typeface="Arial" panose="020B0604020202020204" pitchFamily="34" charset="0"/>
+            </a:endParaRPr>
+          </a:p>
         </p:txBody>
       </p:sp>
       <p:pic>
         <p:nvPicPr>
-          <p:cNvPr id="4" name="Picture 3"/>
+          <p:cNvPr id="3" name="Picture 2"/>
           <p:cNvPicPr>
             <a:picLocks noChangeAspect="1"/>
           </p:cNvPicPr>
           <p:nvPr/>
         </p:nvPicPr>
         <p:blipFill>
-          <a:blip r:embed="rId3"/>
+          <a:blip r:embed="rId4"/>
           <a:stretch>
             <a:fillRect/>
           </a:stretch>
         </p:blipFill>
         <p:spPr>
           <a:xfrm>
-            <a:off x="1143000" y="1776412"/>
-            <a:ext cx="6858000" cy="3305175"/>
+            <a:off x="838200" y="879301"/>
+            <a:ext cx="7467600" cy="5934075"/>
           </a:xfrm>
           <a:prstGeom prst="rect">
             <a:avLst/>
@@ -8367,7 +8367,7 @@
     </p:spTree>
     <p:extLst>
       <p:ext uri="{BB962C8B-B14F-4D97-AF65-F5344CB8AC3E}">
-        <p14:creationId xmlns:p14="http://schemas.microsoft.com/office/powerpoint/2010/main" val="3047434953"/>
+        <p14:creationId xmlns:p14="http://schemas.microsoft.com/office/powerpoint/2010/main" val="1174313750"/>
       </p:ext>
     </p:extLst>
   </p:cSld>
@@ -8401,30 +8401,125 @@
           <a:chExt cx="0" cy="0"/>
         </a:xfrm>
       </p:grpSpPr>
-      <p:pic>
-        <p:nvPicPr>
-          <p:cNvPr id="7" name="Picture 6"/>
-          <p:cNvPicPr>
-            <a:picLocks noChangeAspect="1"/>
-          </p:cNvPicPr>
+      <p:sp>
+        <p:nvSpPr>
+          <p:cNvPr id="2" name="Rectangle 1"/>
+          <p:cNvSpPr/>
           <p:nvPr/>
-        </p:nvPicPr>
-        <p:blipFill>
-          <a:blip r:embed="rId2"/>
-          <a:stretch>
-            <a:fillRect/>
-          </a:stretch>
-        </p:blipFill>
-        <p:spPr>
-          <a:xfrm>
-            <a:off x="4806280" y="2786980"/>
-            <a:ext cx="3886200" cy="3162300"/>
+        </p:nvSpPr>
+        <p:spPr>
+          <a:xfrm>
+            <a:off x="1504030" y="11870"/>
+            <a:ext cx="5898602" cy="480901"/>
           </a:xfrm>
           <a:prstGeom prst="rect">
             <a:avLst/>
           </a:prstGeom>
         </p:spPr>
-      </p:pic>
+        <p:txBody>
+          <a:bodyPr wrap="none">
+            <a:spAutoFit/>
+          </a:bodyPr>
+          <a:lstStyle/>
+          <a:p>
+            <a:pPr algn="ctr">
+              <a:lnSpc>
+                <a:spcPct val="115000"/>
+              </a:lnSpc>
+              <a:spcAft>
+                <a:spcPts val="0"/>
+              </a:spcAft>
+            </a:pPr>
+            <a:r>
+              <a:rPr lang="en-US" sz="2400" b="1" dirty="0" smtClean="0">
+                <a:latin typeface="Arial" panose="020B0604020202020204" pitchFamily="34" charset="0"/>
+                <a:ea typeface="Arial" panose="020B0604020202020204" pitchFamily="34" charset="0"/>
+              </a:rPr>
+              <a:t>Teacher App</a:t>
+            </a:r>
+            <a:r>
+              <a:rPr lang="en-US" sz="2400" b="1" dirty="0">
+                <a:latin typeface="Arial" panose="020B0604020202020204" pitchFamily="34" charset="0"/>
+                <a:ea typeface="Arial" panose="020B0604020202020204" pitchFamily="34" charset="0"/>
+              </a:rPr>
+              <a:t>: </a:t>
+            </a:r>
+            <a:r>
+              <a:rPr lang="en-US" sz="2400" b="1" dirty="0" smtClean="0">
+                <a:latin typeface="Arial" panose="020B0604020202020204" pitchFamily="34" charset="0"/>
+                <a:ea typeface="Arial" panose="020B0604020202020204" pitchFamily="34" charset="0"/>
+              </a:rPr>
+              <a:t>Approval Status dialogue</a:t>
+            </a:r>
+            <a:endParaRPr lang="en-AU" sz="2400" dirty="0">
+              <a:effectLst/>
+              <a:latin typeface="Arial" panose="020B0604020202020204" pitchFamily="34" charset="0"/>
+              <a:ea typeface="Arial" panose="020B0604020202020204" pitchFamily="34" charset="0"/>
+            </a:endParaRPr>
+          </a:p>
+        </p:txBody>
+      </p:sp>
+      <p:sp>
+        <p:nvSpPr>
+          <p:cNvPr id="3" name="Rectangle 2"/>
+          <p:cNvSpPr/>
+          <p:nvPr/>
+        </p:nvSpPr>
+        <p:spPr>
+          <a:xfrm>
+            <a:off x="431032" y="528935"/>
+            <a:ext cx="8245424" cy="307777"/>
+          </a:xfrm>
+          <a:prstGeom prst="rect">
+            <a:avLst/>
+          </a:prstGeom>
+        </p:spPr>
+        <p:txBody>
+          <a:bodyPr wrap="square">
+            <a:spAutoFit/>
+          </a:bodyPr>
+          <a:lstStyle/>
+          <a:p>
+            <a:pPr algn="ctr"/>
+            <a:r>
+              <a:rPr lang="en-US" sz="1400" dirty="0">
+                <a:latin typeface="Arial" panose="020B0604020202020204" pitchFamily="34" charset="0"/>
+                <a:ea typeface="Arial" panose="020B0604020202020204" pitchFamily="34" charset="0"/>
+              </a:rPr>
+              <a:t>Link: </a:t>
+            </a:r>
+            <a:r>
+              <a:rPr lang="en-US" sz="1400" u="sng" dirty="0">
+                <a:solidFill>
+                  <a:srgbClr val="0000FF"/>
+                </a:solidFill>
+                <a:latin typeface="Arial" panose="020B0604020202020204" pitchFamily="34" charset="0"/>
+                <a:ea typeface="Arial" panose="020B0604020202020204" pitchFamily="34" charset="0"/>
+                <a:hlinkClick r:id="rId2"/>
+              </a:rPr>
+              <a:t>https</a:t>
+            </a:r>
+            <a:r>
+              <a:rPr lang="en-US" sz="1400" u="sng" dirty="0" smtClean="0">
+                <a:solidFill>
+                  <a:srgbClr val="0000FF"/>
+                </a:solidFill>
+                <a:latin typeface="Arial" panose="020B0604020202020204" pitchFamily="34" charset="0"/>
+                <a:ea typeface="Arial" panose="020B0604020202020204" pitchFamily="34" charset="0"/>
+                <a:hlinkClick r:id="rId2"/>
+              </a:rPr>
+              <a:t>://anodiam.com/teacher/addnewstatus</a:t>
+            </a:r>
+            <a:endParaRPr lang="en-US" sz="1400" u="sng" dirty="0" smtClean="0">
+              <a:solidFill>
+                <a:srgbClr val="0000FF"/>
+              </a:solidFill>
+              <a:latin typeface="Arial" panose="020B0604020202020204" pitchFamily="34" charset="0"/>
+              <a:ea typeface="Arial" panose="020B0604020202020204" pitchFamily="34" charset="0"/>
+            </a:endParaRPr>
+          </a:p>
+        </p:txBody>
+      </p:sp>
       <p:pic>
         <p:nvPicPr>
           <p:cNvPr id="4" name="Picture 3"/>
@@ -8441,266 +8536,18 @@
         </p:blipFill>
         <p:spPr>
           <a:xfrm>
-            <a:off x="539552" y="1703834"/>
-            <a:ext cx="3886200" cy="3162300"/>
+            <a:off x="1143000" y="1776412"/>
+            <a:ext cx="6858000" cy="3305175"/>
           </a:xfrm>
           <a:prstGeom prst="rect">
             <a:avLst/>
           </a:prstGeom>
         </p:spPr>
       </p:pic>
-      <p:sp>
-        <p:nvSpPr>
-          <p:cNvPr id="2" name="Rectangle 1"/>
-          <p:cNvSpPr/>
-          <p:nvPr/>
-        </p:nvSpPr>
-        <p:spPr>
-          <a:xfrm>
-            <a:off x="618273" y="11870"/>
-            <a:ext cx="7670113" cy="711733"/>
-          </a:xfrm>
-          <a:prstGeom prst="rect">
-            <a:avLst/>
-          </a:prstGeom>
-        </p:spPr>
-        <p:txBody>
-          <a:bodyPr wrap="none">
-            <a:spAutoFit/>
-          </a:bodyPr>
-          <a:lstStyle/>
-          <a:p>
-            <a:pPr algn="ctr">
-              <a:lnSpc>
-                <a:spcPct val="115000"/>
-              </a:lnSpc>
-              <a:spcAft>
-                <a:spcPts val="0"/>
-              </a:spcAft>
-            </a:pPr>
-            <a:r>
-              <a:rPr lang="en-US" sz="2400" b="1" dirty="0" smtClean="0">
-                <a:latin typeface="Arial" panose="020B0604020202020204" pitchFamily="34" charset="0"/>
-                <a:ea typeface="Arial" panose="020B0604020202020204" pitchFamily="34" charset="0"/>
-              </a:rPr>
-              <a:t>Teacher App</a:t>
-            </a:r>
-            <a:r>
-              <a:rPr lang="en-US" sz="2400" b="1" dirty="0">
-                <a:latin typeface="Arial" panose="020B0604020202020204" pitchFamily="34" charset="0"/>
-                <a:ea typeface="Arial" panose="020B0604020202020204" pitchFamily="34" charset="0"/>
-              </a:rPr>
-              <a:t>: </a:t>
-            </a:r>
-            <a:r>
-              <a:rPr lang="en-US" sz="2400" b="1" dirty="0" smtClean="0">
-                <a:latin typeface="Arial" panose="020B0604020202020204" pitchFamily="34" charset="0"/>
-                <a:ea typeface="Arial" panose="020B0604020202020204" pitchFamily="34" charset="0"/>
-              </a:rPr>
-              <a:t>Confirm Course Inactivation dialogue</a:t>
-            </a:r>
-          </a:p>
-          <a:p>
-            <a:pPr algn="ctr">
-              <a:lnSpc>
-                <a:spcPct val="115000"/>
-              </a:lnSpc>
-            </a:pPr>
-            <a:r>
-              <a:rPr lang="en-US" sz="1100" b="1" dirty="0">
-                <a:latin typeface="Arial" panose="020B0604020202020204" pitchFamily="34" charset="0"/>
-                <a:ea typeface="Arial" panose="020B0604020202020204" pitchFamily="34" charset="0"/>
-              </a:rPr>
-              <a:t>** Only </a:t>
-            </a:r>
-            <a:r>
-              <a:rPr lang="en-US" sz="1100" b="1" dirty="0" smtClean="0">
-                <a:latin typeface="Arial" panose="020B0604020202020204" pitchFamily="34" charset="0"/>
-                <a:ea typeface="Arial" panose="020B0604020202020204" pitchFamily="34" charset="0"/>
-              </a:rPr>
-              <a:t>active </a:t>
-            </a:r>
-            <a:r>
-              <a:rPr lang="en-US" sz="1100" b="1" dirty="0">
-                <a:latin typeface="Arial" panose="020B0604020202020204" pitchFamily="34" charset="0"/>
-                <a:ea typeface="Arial" panose="020B0604020202020204" pitchFamily="34" charset="0"/>
-              </a:rPr>
-              <a:t>courses can be </a:t>
-            </a:r>
-            <a:r>
-              <a:rPr lang="en-US" sz="1100" b="1" dirty="0" smtClean="0">
-                <a:latin typeface="Arial" panose="020B0604020202020204" pitchFamily="34" charset="0"/>
-                <a:ea typeface="Arial" panose="020B0604020202020204" pitchFamily="34" charset="0"/>
-              </a:rPr>
-              <a:t>inactivated</a:t>
-            </a:r>
-            <a:endParaRPr lang="en-AU" sz="1100" dirty="0">
-              <a:latin typeface="Arial" panose="020B0604020202020204" pitchFamily="34" charset="0"/>
-              <a:ea typeface="Arial" panose="020B0604020202020204" pitchFamily="34" charset="0"/>
-            </a:endParaRPr>
-          </a:p>
-        </p:txBody>
-      </p:sp>
-      <p:sp>
-        <p:nvSpPr>
-          <p:cNvPr id="3" name="Rectangle 2"/>
-          <p:cNvSpPr/>
-          <p:nvPr/>
-        </p:nvSpPr>
-        <p:spPr>
-          <a:xfrm>
-            <a:off x="431032" y="672951"/>
-            <a:ext cx="8245424" cy="307777"/>
-          </a:xfrm>
-          <a:prstGeom prst="rect">
-            <a:avLst/>
-          </a:prstGeom>
-        </p:spPr>
-        <p:txBody>
-          <a:bodyPr wrap="square">
-            <a:spAutoFit/>
-          </a:bodyPr>
-          <a:lstStyle/>
-          <a:p>
-            <a:pPr algn="ctr"/>
-            <a:r>
-              <a:rPr lang="en-US" sz="1400" dirty="0">
-                <a:latin typeface="Arial" panose="020B0604020202020204" pitchFamily="34" charset="0"/>
-                <a:ea typeface="Arial" panose="020B0604020202020204" pitchFamily="34" charset="0"/>
-              </a:rPr>
-              <a:t>Link: </a:t>
-            </a:r>
-            <a:r>
-              <a:rPr lang="en-US" sz="1400" u="sng" dirty="0">
-                <a:solidFill>
-                  <a:srgbClr val="0000FF"/>
-                </a:solidFill>
-                <a:latin typeface="Arial" panose="020B0604020202020204" pitchFamily="34" charset="0"/>
-                <a:ea typeface="Arial" panose="020B0604020202020204" pitchFamily="34" charset="0"/>
-                <a:hlinkClick r:id="rId4"/>
-              </a:rPr>
-              <a:t>https</a:t>
-            </a:r>
-            <a:r>
-              <a:rPr lang="en-US" sz="1400" u="sng" dirty="0" smtClean="0">
-                <a:solidFill>
-                  <a:srgbClr val="0000FF"/>
-                </a:solidFill>
-                <a:latin typeface="Arial" panose="020B0604020202020204" pitchFamily="34" charset="0"/>
-                <a:ea typeface="Arial" panose="020B0604020202020204" pitchFamily="34" charset="0"/>
-                <a:hlinkClick r:id="rId4"/>
-              </a:rPr>
-              <a:t>://</a:t>
-            </a:r>
-            <a:r>
-              <a:rPr lang="en-US" sz="1400" u="sng" dirty="0" smtClean="0">
-                <a:solidFill>
-                  <a:srgbClr val="0000FF"/>
-                </a:solidFill>
-                <a:latin typeface="Arial" panose="020B0604020202020204" pitchFamily="34" charset="0"/>
-                <a:ea typeface="Arial" panose="020B0604020202020204" pitchFamily="34" charset="0"/>
-              </a:rPr>
-              <a:t>anodiam.com/teacher/inactivatecourse/{courseid}</a:t>
-            </a:r>
-          </a:p>
-        </p:txBody>
-      </p:sp>
-      <p:sp>
-        <p:nvSpPr>
-          <p:cNvPr id="8" name="Rectangle 7"/>
-          <p:cNvSpPr/>
-          <p:nvPr/>
-        </p:nvSpPr>
-        <p:spPr>
-          <a:xfrm>
-            <a:off x="2715816" y="4866134"/>
-            <a:ext cx="360040" cy="723106"/>
-          </a:xfrm>
-          <a:prstGeom prst="rect">
-            <a:avLst/>
-          </a:prstGeom>
-        </p:spPr>
-        <p:style>
-          <a:lnRef idx="2">
-            <a:schemeClr val="accent1">
-              <a:shade val="50000"/>
-            </a:schemeClr>
-          </a:lnRef>
-          <a:fillRef idx="1">
-            <a:schemeClr val="accent1"/>
-          </a:fillRef>
-          <a:effectRef idx="0">
-            <a:schemeClr val="accent1"/>
-          </a:effectRef>
-          <a:fontRef idx="minor">
-            <a:schemeClr val="lt1"/>
-          </a:fontRef>
-        </p:style>
-        <p:txBody>
-          <a:bodyPr rtlCol="0" anchor="ctr"/>
-          <a:lstStyle/>
-          <a:p>
-            <a:pPr algn="ctr"/>
-            <a:endParaRPr lang="en-AU" dirty="0"/>
-          </a:p>
-        </p:txBody>
-      </p:sp>
-      <p:sp>
-        <p:nvSpPr>
-          <p:cNvPr id="9" name="Right Arrow 8"/>
-          <p:cNvSpPr/>
-          <p:nvPr/>
-        </p:nvSpPr>
-        <p:spPr>
-          <a:xfrm>
-            <a:off x="2715816" y="5157192"/>
-            <a:ext cx="2664296" cy="582116"/>
-          </a:xfrm>
-          <a:prstGeom prst="rightArrow">
-            <a:avLst/>
-          </a:prstGeom>
-        </p:spPr>
-        <p:style>
-          <a:lnRef idx="2">
-            <a:schemeClr val="accent1">
-              <a:shade val="50000"/>
-            </a:schemeClr>
-          </a:lnRef>
-          <a:fillRef idx="1">
-            <a:schemeClr val="accent1"/>
-          </a:fillRef>
-          <a:effectRef idx="0">
-            <a:schemeClr val="accent1"/>
-          </a:effectRef>
-          <a:fontRef idx="minor">
-            <a:schemeClr val="lt1"/>
-          </a:fontRef>
-        </p:style>
-        <p:txBody>
-          <a:bodyPr rtlCol="0" anchor="ctr"/>
-          <a:lstStyle/>
-          <a:p>
-            <a:pPr algn="ctr"/>
-            <a:r>
-              <a:rPr lang="en-AU" sz="1000" dirty="0" smtClean="0"/>
-              <a:t>On confirmation and T&amp;C acceptance, Inactivate</a:t>
-            </a:r>
-            <a:r>
-              <a:rPr lang="en-AU" sz="1000" dirty="0"/>
-              <a:t> </a:t>
-            </a:r>
-            <a:r>
-              <a:rPr lang="en-AU" sz="1000" dirty="0" smtClean="0"/>
-              <a:t>button is enabled </a:t>
-            </a:r>
-            <a:endParaRPr lang="en-AU" sz="1000" dirty="0"/>
-          </a:p>
-        </p:txBody>
-      </p:sp>
     </p:spTree>
     <p:extLst>
       <p:ext uri="{BB962C8B-B14F-4D97-AF65-F5344CB8AC3E}">
-        <p14:creationId xmlns:p14="http://schemas.microsoft.com/office/powerpoint/2010/main" val="704741565"/>
+        <p14:creationId xmlns:p14="http://schemas.microsoft.com/office/powerpoint/2010/main" val="3047434953"/>
       </p:ext>
     </p:extLst>
   </p:cSld>
@@ -8734,6 +8581,54 @@
           <a:chExt cx="0" cy="0"/>
         </a:xfrm>
       </p:grpSpPr>
+      <p:pic>
+        <p:nvPicPr>
+          <p:cNvPr id="7" name="Picture 6"/>
+          <p:cNvPicPr>
+            <a:picLocks noChangeAspect="1"/>
+          </p:cNvPicPr>
+          <p:nvPr/>
+        </p:nvPicPr>
+        <p:blipFill>
+          <a:blip r:embed="rId2"/>
+          <a:stretch>
+            <a:fillRect/>
+          </a:stretch>
+        </p:blipFill>
+        <p:spPr>
+          <a:xfrm>
+            <a:off x="4806280" y="2786980"/>
+            <a:ext cx="3886200" cy="3162300"/>
+          </a:xfrm>
+          <a:prstGeom prst="rect">
+            <a:avLst/>
+          </a:prstGeom>
+        </p:spPr>
+      </p:pic>
+      <p:pic>
+        <p:nvPicPr>
+          <p:cNvPr id="4" name="Picture 3"/>
+          <p:cNvPicPr>
+            <a:picLocks noChangeAspect="1"/>
+          </p:cNvPicPr>
+          <p:nvPr/>
+        </p:nvPicPr>
+        <p:blipFill>
+          <a:blip r:embed="rId3"/>
+          <a:stretch>
+            <a:fillRect/>
+          </a:stretch>
+        </p:blipFill>
+        <p:spPr>
+          <a:xfrm>
+            <a:off x="539552" y="1703834"/>
+            <a:ext cx="3886200" cy="3162300"/>
+          </a:xfrm>
+          <a:prstGeom prst="rect">
+            <a:avLst/>
+          </a:prstGeom>
+        </p:spPr>
+      </p:pic>
       <p:sp>
         <p:nvSpPr>
           <p:cNvPr id="2" name="Rectangle 1"/>
@@ -8742,8 +8637,8 @@
         </p:nvSpPr>
         <p:spPr>
           <a:xfrm>
-            <a:off x="1779633" y="332656"/>
-            <a:ext cx="5347361" cy="480901"/>
+            <a:off x="618273" y="11870"/>
+            <a:ext cx="7670113" cy="711733"/>
           </a:xfrm>
           <a:prstGeom prst="rect">
             <a:avLst/>
@@ -8782,10 +8677,44 @@
                 <a:latin typeface="Arial" panose="020B0604020202020204" pitchFamily="34" charset="0"/>
                 <a:ea typeface="Arial" panose="020B0604020202020204" pitchFamily="34" charset="0"/>
               </a:rPr>
-              <a:t>Personal Profile page</a:t>
-            </a:r>
-            <a:endParaRPr lang="en-AU" sz="2400" dirty="0">
-              <a:effectLst/>
+              <a:t>Confirm Course Inactivation dialogue</a:t>
+            </a:r>
+          </a:p>
+          <a:p>
+            <a:pPr algn="ctr">
+              <a:lnSpc>
+                <a:spcPct val="115000"/>
+              </a:lnSpc>
+            </a:pPr>
+            <a:r>
+              <a:rPr lang="en-US" sz="1100" b="1" dirty="0">
+                <a:latin typeface="Arial" panose="020B0604020202020204" pitchFamily="34" charset="0"/>
+                <a:ea typeface="Arial" panose="020B0604020202020204" pitchFamily="34" charset="0"/>
+              </a:rPr>
+              <a:t>** Only </a:t>
+            </a:r>
+            <a:r>
+              <a:rPr lang="en-US" sz="1100" b="1" dirty="0" smtClean="0">
+                <a:latin typeface="Arial" panose="020B0604020202020204" pitchFamily="34" charset="0"/>
+                <a:ea typeface="Arial" panose="020B0604020202020204" pitchFamily="34" charset="0"/>
+              </a:rPr>
+              <a:t>active </a:t>
+            </a:r>
+            <a:r>
+              <a:rPr lang="en-US" sz="1100" b="1" dirty="0">
+                <a:latin typeface="Arial" panose="020B0604020202020204" pitchFamily="34" charset="0"/>
+                <a:ea typeface="Arial" panose="020B0604020202020204" pitchFamily="34" charset="0"/>
+              </a:rPr>
+              <a:t>courses can be </a:t>
+            </a:r>
+            <a:r>
+              <a:rPr lang="en-US" sz="1100" b="1" dirty="0" smtClean="0">
+                <a:latin typeface="Arial" panose="020B0604020202020204" pitchFamily="34" charset="0"/>
+                <a:ea typeface="Arial" panose="020B0604020202020204" pitchFamily="34" charset="0"/>
+              </a:rPr>
+              <a:t>inactivated</a:t>
+            </a:r>
+            <a:endParaRPr lang="en-AU" sz="1100" dirty="0">
               <a:latin typeface="Arial" panose="020B0604020202020204" pitchFamily="34" charset="0"/>
               <a:ea typeface="Arial" panose="020B0604020202020204" pitchFamily="34" charset="0"/>
             </a:endParaRPr>
@@ -8800,7 +8729,7 @@
         </p:nvSpPr>
         <p:spPr>
           <a:xfrm>
-            <a:off x="431032" y="849721"/>
+            <a:off x="431032" y="672951"/>
             <a:ext cx="8245424" cy="307777"/>
           </a:xfrm>
           <a:prstGeom prst="rect">
@@ -8828,7 +8757,7 @@
                 </a:solidFill>
                 <a:latin typeface="Arial" panose="020B0604020202020204" pitchFamily="34" charset="0"/>
                 <a:ea typeface="Arial" panose="020B0604020202020204" pitchFamily="34" charset="0"/>
-                <a:hlinkClick r:id="rId3"/>
+                <a:hlinkClick r:id="rId4"/>
               </a:rPr>
               <a:t>https</a:t>
             </a:r>
@@ -8839,7 +8768,7 @@
                 </a:solidFill>
                 <a:latin typeface="Arial" panose="020B0604020202020204" pitchFamily="34" charset="0"/>
                 <a:ea typeface="Arial" panose="020B0604020202020204" pitchFamily="34" charset="0"/>
-                <a:hlinkClick r:id="rId3"/>
+                <a:hlinkClick r:id="rId4"/>
               </a:rPr>
               <a:t>://</a:t>
             </a:r>
@@ -8851,39 +8780,107 @@
                 <a:latin typeface="Arial" panose="020B0604020202020204" pitchFamily="34" charset="0"/>
                 <a:ea typeface="Arial" panose="020B0604020202020204" pitchFamily="34" charset="0"/>
               </a:rPr>
-              <a:t>anodiam.com/teacher/myprofile/{userid}</a:t>
-            </a:r>
-          </a:p>
-        </p:txBody>
-      </p:sp>
-      <p:pic>
-        <p:nvPicPr>
-          <p:cNvPr id="5" name="Picture 4"/>
-          <p:cNvPicPr>
-            <a:picLocks noChangeAspect="1"/>
-          </p:cNvPicPr>
+              <a:t>anodiam.com/teacher/inactivatecourse/{courseid}</a:t>
+            </a:r>
+          </a:p>
+        </p:txBody>
+      </p:sp>
+      <p:sp>
+        <p:nvSpPr>
+          <p:cNvPr id="8" name="Rectangle 7"/>
+          <p:cNvSpPr/>
           <p:nvPr/>
-        </p:nvPicPr>
-        <p:blipFill>
-          <a:blip r:embed="rId4"/>
-          <a:stretch>
-            <a:fillRect/>
-          </a:stretch>
-        </p:blipFill>
-        <p:spPr>
-          <a:xfrm>
-            <a:off x="838200" y="1196752"/>
-            <a:ext cx="7467600" cy="5257800"/>
+        </p:nvSpPr>
+        <p:spPr>
+          <a:xfrm>
+            <a:off x="2715816" y="4866134"/>
+            <a:ext cx="360040" cy="723106"/>
           </a:xfrm>
           <a:prstGeom prst="rect">
             <a:avLst/>
           </a:prstGeom>
         </p:spPr>
-      </p:pic>
+        <p:style>
+          <a:lnRef idx="2">
+            <a:schemeClr val="accent1">
+              <a:shade val="50000"/>
+            </a:schemeClr>
+          </a:lnRef>
+          <a:fillRef idx="1">
+            <a:schemeClr val="accent1"/>
+          </a:fillRef>
+          <a:effectRef idx="0">
+            <a:schemeClr val="accent1"/>
+          </a:effectRef>
+          <a:fontRef idx="minor">
+            <a:schemeClr val="lt1"/>
+          </a:fontRef>
+        </p:style>
+        <p:txBody>
+          <a:bodyPr rtlCol="0" anchor="ctr"/>
+          <a:lstStyle/>
+          <a:p>
+            <a:pPr algn="ctr"/>
+            <a:endParaRPr lang="en-AU" dirty="0"/>
+          </a:p>
+        </p:txBody>
+      </p:sp>
+      <p:sp>
+        <p:nvSpPr>
+          <p:cNvPr id="9" name="Right Arrow 8"/>
+          <p:cNvSpPr/>
+          <p:nvPr/>
+        </p:nvSpPr>
+        <p:spPr>
+          <a:xfrm>
+            <a:off x="2715816" y="5157192"/>
+            <a:ext cx="2664296" cy="582116"/>
+          </a:xfrm>
+          <a:prstGeom prst="rightArrow">
+            <a:avLst/>
+          </a:prstGeom>
+        </p:spPr>
+        <p:style>
+          <a:lnRef idx="2">
+            <a:schemeClr val="accent1">
+              <a:shade val="50000"/>
+            </a:schemeClr>
+          </a:lnRef>
+          <a:fillRef idx="1">
+            <a:schemeClr val="accent1"/>
+          </a:fillRef>
+          <a:effectRef idx="0">
+            <a:schemeClr val="accent1"/>
+          </a:effectRef>
+          <a:fontRef idx="minor">
+            <a:schemeClr val="lt1"/>
+          </a:fontRef>
+        </p:style>
+        <p:txBody>
+          <a:bodyPr rtlCol="0" anchor="ctr"/>
+          <a:lstStyle/>
+          <a:p>
+            <a:pPr algn="ctr"/>
+            <a:r>
+              <a:rPr lang="en-AU" sz="1000" dirty="0" smtClean="0"/>
+              <a:t>On confirmation and T&amp;C acceptance, Inactivate</a:t>
+            </a:r>
+            <a:r>
+              <a:rPr lang="en-AU" sz="1000" dirty="0"/>
+              <a:t> </a:t>
+            </a:r>
+            <a:r>
+              <a:rPr lang="en-AU" sz="1000" dirty="0" smtClean="0"/>
+              <a:t>button is enabled </a:t>
+            </a:r>
+            <a:endParaRPr lang="en-AU" sz="1000" dirty="0"/>
+          </a:p>
+        </p:txBody>
+      </p:sp>
     </p:spTree>
     <p:extLst>
       <p:ext uri="{BB962C8B-B14F-4D97-AF65-F5344CB8AC3E}">
-        <p14:creationId xmlns:p14="http://schemas.microsoft.com/office/powerpoint/2010/main" val="729961998"/>
+        <p14:creationId xmlns:p14="http://schemas.microsoft.com/office/powerpoint/2010/main" val="704741565"/>
       </p:ext>
     </p:extLst>
   </p:cSld>
@@ -8925,8 +8922,8 @@
         </p:nvSpPr>
         <p:spPr>
           <a:xfrm>
-            <a:off x="1506323" y="332656"/>
-            <a:ext cx="5893986" cy="480901"/>
+            <a:off x="1779633" y="332656"/>
+            <a:ext cx="5347361" cy="480901"/>
           </a:xfrm>
           <a:prstGeom prst="rect">
             <a:avLst/>
@@ -8965,7 +8962,7 @@
                 <a:latin typeface="Arial" panose="020B0604020202020204" pitchFamily="34" charset="0"/>
                 <a:ea typeface="Arial" panose="020B0604020202020204" pitchFamily="34" charset="0"/>
               </a:rPr>
-              <a:t>Professional Profile page</a:t>
+              <a:t>Personal Profile page</a:t>
             </a:r>
             <a:endParaRPr lang="en-AU" sz="2400" dirty="0">
               <a:effectLst/>
@@ -9011,7 +9008,7 @@
                 </a:solidFill>
                 <a:latin typeface="Arial" panose="020B0604020202020204" pitchFamily="34" charset="0"/>
                 <a:ea typeface="Arial" panose="020B0604020202020204" pitchFamily="34" charset="0"/>
-                <a:hlinkClick r:id="rId2"/>
+                <a:hlinkClick r:id="rId3"/>
               </a:rPr>
               <a:t>https</a:t>
             </a:r>
@@ -9022,7 +9019,7 @@
                 </a:solidFill>
                 <a:latin typeface="Arial" panose="020B0604020202020204" pitchFamily="34" charset="0"/>
                 <a:ea typeface="Arial" panose="020B0604020202020204" pitchFamily="34" charset="0"/>
-                <a:hlinkClick r:id="rId2"/>
+                <a:hlinkClick r:id="rId3"/>
               </a:rPr>
               <a:t>://</a:t>
             </a:r>
@@ -9048,15 +9045,15 @@
           <p:nvPr/>
         </p:nvPicPr>
         <p:blipFill>
-          <a:blip r:embed="rId3"/>
+          <a:blip r:embed="rId4"/>
           <a:stretch>
             <a:fillRect/>
           </a:stretch>
         </p:blipFill>
         <p:spPr>
           <a:xfrm>
-            <a:off x="838200" y="1376362"/>
-            <a:ext cx="7467600" cy="4105275"/>
+            <a:off x="838200" y="1196752"/>
+            <a:ext cx="7467600" cy="5257800"/>
           </a:xfrm>
           <a:prstGeom prst="rect">
             <a:avLst/>
@@ -9066,7 +9063,7 @@
     </p:spTree>
     <p:extLst>
       <p:ext uri="{BB962C8B-B14F-4D97-AF65-F5344CB8AC3E}">
-        <p14:creationId xmlns:p14="http://schemas.microsoft.com/office/powerpoint/2010/main" val="1687650685"/>
+        <p14:creationId xmlns:p14="http://schemas.microsoft.com/office/powerpoint/2010/main" val="729961998"/>
       </p:ext>
     </p:extLst>
   </p:cSld>
@@ -9108,8 +9105,8 @@
         </p:nvSpPr>
         <p:spPr>
           <a:xfrm>
-            <a:off x="1763604" y="332656"/>
-            <a:ext cx="5379421" cy="480901"/>
+            <a:off x="1506323" y="332656"/>
+            <a:ext cx="5893986" cy="480901"/>
           </a:xfrm>
           <a:prstGeom prst="rect">
             <a:avLst/>
@@ -9148,7 +9145,7 @@
                 <a:latin typeface="Arial" panose="020B0604020202020204" pitchFamily="34" charset="0"/>
                 <a:ea typeface="Arial" panose="020B0604020202020204" pitchFamily="34" charset="0"/>
               </a:rPr>
-              <a:t>Financial Profile page</a:t>
+              <a:t>Professional Profile page</a:t>
             </a:r>
             <a:endParaRPr lang="en-AU" sz="2400" dirty="0">
               <a:effectLst/>
@@ -9194,7 +9191,7 @@
                 </a:solidFill>
                 <a:latin typeface="Arial" panose="020B0604020202020204" pitchFamily="34" charset="0"/>
                 <a:ea typeface="Arial" panose="020B0604020202020204" pitchFamily="34" charset="0"/>
-                <a:hlinkClick r:id="rId3"/>
+                <a:hlinkClick r:id="rId2"/>
               </a:rPr>
               <a:t>https</a:t>
             </a:r>
@@ -9205,7 +9202,7 @@
                 </a:solidFill>
                 <a:latin typeface="Arial" panose="020B0604020202020204" pitchFamily="34" charset="0"/>
                 <a:ea typeface="Arial" panose="020B0604020202020204" pitchFamily="34" charset="0"/>
-                <a:hlinkClick r:id="rId3"/>
+                <a:hlinkClick r:id="rId2"/>
               </a:rPr>
               <a:t>://</a:t>
             </a:r>
@@ -9231,15 +9228,15 @@
           <p:nvPr/>
         </p:nvPicPr>
         <p:blipFill>
-          <a:blip r:embed="rId4"/>
+          <a:blip r:embed="rId3"/>
           <a:stretch>
             <a:fillRect/>
           </a:stretch>
         </p:blipFill>
         <p:spPr>
           <a:xfrm>
-            <a:off x="838200" y="1768946"/>
-            <a:ext cx="7467600" cy="4324350"/>
+            <a:off x="838200" y="1376362"/>
+            <a:ext cx="7467600" cy="4105275"/>
           </a:xfrm>
           <a:prstGeom prst="rect">
             <a:avLst/>
@@ -9249,7 +9246,7 @@
     </p:spTree>
     <p:extLst>
       <p:ext uri="{BB962C8B-B14F-4D97-AF65-F5344CB8AC3E}">
-        <p14:creationId xmlns:p14="http://schemas.microsoft.com/office/powerpoint/2010/main" val="3461176707"/>
+        <p14:creationId xmlns:p14="http://schemas.microsoft.com/office/powerpoint/2010/main" val="1687650685"/>
       </p:ext>
     </p:extLst>
   </p:cSld>
@@ -9291,8 +9288,8 @@
         </p:nvSpPr>
         <p:spPr>
           <a:xfrm>
-            <a:off x="1813300" y="332656"/>
-            <a:ext cx="5280035" cy="517065"/>
+            <a:off x="1763604" y="332656"/>
+            <a:ext cx="5379421" cy="480901"/>
           </a:xfrm>
           <a:prstGeom prst="rect">
             <a:avLst/>
@@ -9331,7 +9328,7 @@
                 <a:latin typeface="Arial" panose="020B0604020202020204" pitchFamily="34" charset="0"/>
                 <a:ea typeface="Arial" panose="020B0604020202020204" pitchFamily="34" charset="0"/>
               </a:rPr>
-              <a:t>Payout Reports page</a:t>
+              <a:t>Financial Profile page</a:t>
             </a:r>
             <a:endParaRPr lang="en-AU" sz="2400" dirty="0">
               <a:effectLst/>
@@ -9377,7 +9374,7 @@
                 </a:solidFill>
                 <a:latin typeface="Arial" panose="020B0604020202020204" pitchFamily="34" charset="0"/>
                 <a:ea typeface="Arial" panose="020B0604020202020204" pitchFamily="34" charset="0"/>
-                <a:hlinkClick r:id="rId2"/>
+                <a:hlinkClick r:id="rId3"/>
               </a:rPr>
               <a:t>https</a:t>
             </a:r>
@@ -9388,7 +9385,7 @@
                 </a:solidFill>
                 <a:latin typeface="Arial" panose="020B0604020202020204" pitchFamily="34" charset="0"/>
                 <a:ea typeface="Arial" panose="020B0604020202020204" pitchFamily="34" charset="0"/>
-                <a:hlinkClick r:id="rId2"/>
+                <a:hlinkClick r:id="rId3"/>
               </a:rPr>
               <a:t>://</a:t>
             </a:r>
@@ -9400,29 +9397,29 @@
                 <a:latin typeface="Arial" panose="020B0604020202020204" pitchFamily="34" charset="0"/>
                 <a:ea typeface="Arial" panose="020B0604020202020204" pitchFamily="34" charset="0"/>
               </a:rPr>
-              <a:t>anodiam.com/teacher/payouts/{userid}</a:t>
+              <a:t>anodiam.com/teacher/myprofile/{userid}</a:t>
             </a:r>
           </a:p>
         </p:txBody>
       </p:sp>
       <p:pic>
         <p:nvPicPr>
-          <p:cNvPr id="4" name="Picture 3"/>
+          <p:cNvPr id="5" name="Picture 4"/>
           <p:cNvPicPr>
             <a:picLocks noChangeAspect="1"/>
           </p:cNvPicPr>
           <p:nvPr/>
         </p:nvPicPr>
         <p:blipFill>
-          <a:blip r:embed="rId3"/>
+          <a:blip r:embed="rId4"/>
           <a:stretch>
             <a:fillRect/>
           </a:stretch>
         </p:blipFill>
         <p:spPr>
           <a:xfrm>
-            <a:off x="838200" y="1412776"/>
-            <a:ext cx="7467600" cy="4762500"/>
+            <a:off x="838200" y="1768946"/>
+            <a:ext cx="7467600" cy="4324350"/>
           </a:xfrm>
           <a:prstGeom prst="rect">
             <a:avLst/>
@@ -9432,7 +9429,7 @@
     </p:spTree>
     <p:extLst>
       <p:ext uri="{BB962C8B-B14F-4D97-AF65-F5344CB8AC3E}">
-        <p14:creationId xmlns:p14="http://schemas.microsoft.com/office/powerpoint/2010/main" val="3005973504"/>
+        <p14:creationId xmlns:p14="http://schemas.microsoft.com/office/powerpoint/2010/main" val="3461176707"/>
       </p:ext>
     </p:extLst>
   </p:cSld>
@@ -9474,8 +9471,8 @@
         </p:nvSpPr>
         <p:spPr>
           <a:xfrm>
-            <a:off x="2271856" y="332656"/>
-            <a:ext cx="4362926" cy="480901"/>
+            <a:off x="1813300" y="332656"/>
+            <a:ext cx="5280035" cy="517065"/>
           </a:xfrm>
           <a:prstGeom prst="rect">
             <a:avLst/>
@@ -9514,7 +9511,7 @@
                 <a:latin typeface="Arial" panose="020B0604020202020204" pitchFamily="34" charset="0"/>
                 <a:ea typeface="Arial" panose="020B0604020202020204" pitchFamily="34" charset="0"/>
               </a:rPr>
-              <a:t>Analytics page</a:t>
+              <a:t>Payout Reports page</a:t>
             </a:r>
             <a:endParaRPr lang="en-AU" sz="2400" dirty="0">
               <a:effectLst/>
@@ -9583,7 +9580,7 @@
                 <a:latin typeface="Arial" panose="020B0604020202020204" pitchFamily="34" charset="0"/>
                 <a:ea typeface="Arial" panose="020B0604020202020204" pitchFamily="34" charset="0"/>
               </a:rPr>
-              <a:t>anodiam.com/teacher/analytics/{userid}</a:t>
+              <a:t>anodiam.com/teacher/payouts/{userid}</a:t>
             </a:r>
           </a:p>
         </p:txBody>
@@ -9604,7 +9601,7 @@
         </p:blipFill>
         <p:spPr>
           <a:xfrm>
-            <a:off x="838200" y="1330796"/>
+            <a:off x="838200" y="1412776"/>
             <a:ext cx="7467600" cy="4762500"/>
           </a:xfrm>
           <a:prstGeom prst="rect">
@@ -9615,7 +9612,7 @@
     </p:spTree>
     <p:extLst>
       <p:ext uri="{BB962C8B-B14F-4D97-AF65-F5344CB8AC3E}">
-        <p14:creationId xmlns:p14="http://schemas.microsoft.com/office/powerpoint/2010/main" val="2724908613"/>
+        <p14:creationId xmlns:p14="http://schemas.microsoft.com/office/powerpoint/2010/main" val="3005973504"/>
       </p:ext>
     </p:extLst>
   </p:cSld>
@@ -9657,8 +9654,8 @@
         </p:nvSpPr>
         <p:spPr>
           <a:xfrm>
-            <a:off x="1434997" y="332656"/>
-            <a:ext cx="6036653" cy="480901"/>
+            <a:off x="2271856" y="332656"/>
+            <a:ext cx="4362926" cy="480901"/>
           </a:xfrm>
           <a:prstGeom prst="rect">
             <a:avLst/>
@@ -9697,7 +9694,7 @@
                 <a:latin typeface="Arial" panose="020B0604020202020204" pitchFamily="34" charset="0"/>
                 <a:ea typeface="Arial" panose="020B0604020202020204" pitchFamily="34" charset="0"/>
               </a:rPr>
-              <a:t>Notifications &gt; Inbox page</a:t>
+              <a:t>Analytics page</a:t>
             </a:r>
             <a:endParaRPr lang="en-AU" sz="2400" dirty="0">
               <a:effectLst/>
@@ -9766,14 +9763,14 @@
                 <a:latin typeface="Arial" panose="020B0604020202020204" pitchFamily="34" charset="0"/>
                 <a:ea typeface="Arial" panose="020B0604020202020204" pitchFamily="34" charset="0"/>
               </a:rPr>
-              <a:t>anodiam.com/teacher/messages/{userid}</a:t>
+              <a:t>anodiam.com/teacher/analytics/{userid}</a:t>
             </a:r>
           </a:p>
         </p:txBody>
       </p:sp>
       <p:pic>
         <p:nvPicPr>
-          <p:cNvPr id="5" name="Picture 4"/>
+          <p:cNvPr id="4" name="Picture 3"/>
           <p:cNvPicPr>
             <a:picLocks noChangeAspect="1"/>
           </p:cNvPicPr>
@@ -9787,8 +9784,8 @@
         </p:blipFill>
         <p:spPr>
           <a:xfrm>
-            <a:off x="838200" y="1835621"/>
-            <a:ext cx="7467600" cy="4257675"/>
+            <a:off x="838200" y="1330796"/>
+            <a:ext cx="7467600" cy="4762500"/>
           </a:xfrm>
           <a:prstGeom prst="rect">
             <a:avLst/>
@@ -9798,7 +9795,7 @@
     </p:spTree>
     <p:extLst>
       <p:ext uri="{BB962C8B-B14F-4D97-AF65-F5344CB8AC3E}">
-        <p14:creationId xmlns:p14="http://schemas.microsoft.com/office/powerpoint/2010/main" val="526722271"/>
+        <p14:creationId xmlns:p14="http://schemas.microsoft.com/office/powerpoint/2010/main" val="2724908613"/>
       </p:ext>
     </p:extLst>
   </p:cSld>
@@ -9840,8 +9837,8 @@
         </p:nvSpPr>
         <p:spPr>
           <a:xfrm>
-            <a:off x="609448" y="332656"/>
-            <a:ext cx="7687747" cy="480901"/>
+            <a:off x="1434997" y="332656"/>
+            <a:ext cx="6036653" cy="480901"/>
           </a:xfrm>
           <a:prstGeom prst="rect">
             <a:avLst/>
@@ -9862,20 +9859,28 @@
               </a:spcAft>
             </a:pPr>
             <a:r>
+              <a:rPr lang="en-US" sz="2400" b="1" dirty="0" smtClean="0">
+                <a:latin typeface="Arial" panose="020B0604020202020204" pitchFamily="34" charset="0"/>
+                <a:ea typeface="Arial" panose="020B0604020202020204" pitchFamily="34" charset="0"/>
+              </a:rPr>
+              <a:t>Teacher App</a:t>
+            </a:r>
+            <a:r>
               <a:rPr lang="en-US" sz="2400" b="1" dirty="0">
                 <a:latin typeface="Arial" panose="020B0604020202020204" pitchFamily="34" charset="0"/>
                 <a:ea typeface="Arial" panose="020B0604020202020204" pitchFamily="34" charset="0"/>
               </a:rPr>
-              <a:t>Teacher App: Notifications &gt; Inbox </a:t>
+              <a:t>: </a:t>
             </a:r>
             <a:r>
               <a:rPr lang="en-US" sz="2400" b="1" dirty="0" smtClean="0">
                 <a:latin typeface="Arial" panose="020B0604020202020204" pitchFamily="34" charset="0"/>
                 <a:ea typeface="Arial" panose="020B0604020202020204" pitchFamily="34" charset="0"/>
               </a:rPr>
-              <a:t>&gt; Message page</a:t>
+              <a:t>Notifications &gt; Inbox page</a:t>
             </a:r>
             <a:endParaRPr lang="en-AU" sz="2400" dirty="0">
+              <a:effectLst/>
               <a:latin typeface="Arial" panose="020B0604020202020204" pitchFamily="34" charset="0"/>
               <a:ea typeface="Arial" panose="020B0604020202020204" pitchFamily="34" charset="0"/>
             </a:endParaRPr>
@@ -9941,14 +9946,14 @@
                 <a:latin typeface="Arial" panose="020B0604020202020204" pitchFamily="34" charset="0"/>
                 <a:ea typeface="Arial" panose="020B0604020202020204" pitchFamily="34" charset="0"/>
               </a:rPr>
-              <a:t>anodiam.com/teacher/message/{messageid}</a:t>
+              <a:t>anodiam.com/teacher/messages/{userid}</a:t>
             </a:r>
           </a:p>
         </p:txBody>
       </p:sp>
       <p:pic>
         <p:nvPicPr>
-          <p:cNvPr id="4" name="Picture 3"/>
+          <p:cNvPr id="5" name="Picture 4"/>
           <p:cNvPicPr>
             <a:picLocks noChangeAspect="1"/>
           </p:cNvPicPr>
@@ -9962,7 +9967,7 @@
         </p:blipFill>
         <p:spPr>
           <a:xfrm>
-            <a:off x="838200" y="1691605"/>
+            <a:off x="838200" y="1835621"/>
             <a:ext cx="7467600" cy="4257675"/>
           </a:xfrm>
           <a:prstGeom prst="rect">
@@ -9973,7 +9978,7 @@
     </p:spTree>
     <p:extLst>
       <p:ext uri="{BB962C8B-B14F-4D97-AF65-F5344CB8AC3E}">
-        <p14:creationId xmlns:p14="http://schemas.microsoft.com/office/powerpoint/2010/main" val="1743414437"/>
+        <p14:creationId xmlns:p14="http://schemas.microsoft.com/office/powerpoint/2010/main" val="526722271"/>
       </p:ext>
     </p:extLst>
   </p:cSld>
@@ -10015,8 +10020,8 @@
         </p:nvSpPr>
         <p:spPr>
           <a:xfrm>
-            <a:off x="1271493" y="332656"/>
-            <a:ext cx="6363666" cy="480901"/>
+            <a:off x="609448" y="332656"/>
+            <a:ext cx="7687747" cy="480901"/>
           </a:xfrm>
           <a:prstGeom prst="rect">
             <a:avLst/>
@@ -10037,28 +10042,20 @@
               </a:spcAft>
             </a:pPr>
             <a:r>
+              <a:rPr lang="en-US" sz="2400" b="1" dirty="0">
+                <a:latin typeface="Arial" panose="020B0604020202020204" pitchFamily="34" charset="0"/>
+                <a:ea typeface="Arial" panose="020B0604020202020204" pitchFamily="34" charset="0"/>
+              </a:rPr>
+              <a:t>Teacher App: Notifications &gt; Inbox </a:t>
+            </a:r>
+            <a:r>
               <a:rPr lang="en-US" sz="2400" b="1" dirty="0" smtClean="0">
                 <a:latin typeface="Arial" panose="020B0604020202020204" pitchFamily="34" charset="0"/>
                 <a:ea typeface="Arial" panose="020B0604020202020204" pitchFamily="34" charset="0"/>
               </a:rPr>
-              <a:t>Teacher App</a:t>
-            </a:r>
-            <a:r>
-              <a:rPr lang="en-US" sz="2400" b="1" dirty="0">
-                <a:latin typeface="Arial" panose="020B0604020202020204" pitchFamily="34" charset="0"/>
-                <a:ea typeface="Arial" panose="020B0604020202020204" pitchFamily="34" charset="0"/>
-              </a:rPr>
-              <a:t>: </a:t>
-            </a:r>
-            <a:r>
-              <a:rPr lang="en-US" sz="2400" b="1" dirty="0" smtClean="0">
-                <a:latin typeface="Arial" panose="020B0604020202020204" pitchFamily="34" charset="0"/>
-                <a:ea typeface="Arial" panose="020B0604020202020204" pitchFamily="34" charset="0"/>
-              </a:rPr>
-              <a:t>Notifications &gt; Queries page</a:t>
+              <a:t>&gt; Message page</a:t>
             </a:r>
             <a:endParaRPr lang="en-AU" sz="2400" dirty="0">
-              <a:effectLst/>
               <a:latin typeface="Arial" panose="020B0604020202020204" pitchFamily="34" charset="0"/>
               <a:ea typeface="Arial" panose="020B0604020202020204" pitchFamily="34" charset="0"/>
             </a:endParaRPr>
@@ -10124,7 +10121,7 @@
                 <a:latin typeface="Arial" panose="020B0604020202020204" pitchFamily="34" charset="0"/>
                 <a:ea typeface="Arial" panose="020B0604020202020204" pitchFamily="34" charset="0"/>
               </a:rPr>
-              <a:t>anodiam.com/teacher/queries/{userid}</a:t>
+              <a:t>anodiam.com/teacher/message/{messageid}</a:t>
             </a:r>
           </a:p>
         </p:txBody>
@@ -10145,7 +10142,7 @@
         </p:blipFill>
         <p:spPr>
           <a:xfrm>
-            <a:off x="838200" y="1979637"/>
+            <a:off x="838200" y="1691605"/>
             <a:ext cx="7467600" cy="4257675"/>
           </a:xfrm>
           <a:prstGeom prst="rect">
@@ -10156,7 +10153,7 @@
     </p:spTree>
     <p:extLst>
       <p:ext uri="{BB962C8B-B14F-4D97-AF65-F5344CB8AC3E}">
-        <p14:creationId xmlns:p14="http://schemas.microsoft.com/office/powerpoint/2010/main" val="680381503"/>
+        <p14:creationId xmlns:p14="http://schemas.microsoft.com/office/powerpoint/2010/main" val="1743414437"/>
       </p:ext>
     </p:extLst>
   </p:cSld>
@@ -10375,6 +10372,189 @@
         </p:nvSpPr>
         <p:spPr>
           <a:xfrm>
+            <a:off x="1271493" y="332656"/>
+            <a:ext cx="6363666" cy="480901"/>
+          </a:xfrm>
+          <a:prstGeom prst="rect">
+            <a:avLst/>
+          </a:prstGeom>
+        </p:spPr>
+        <p:txBody>
+          <a:bodyPr wrap="none">
+            <a:spAutoFit/>
+          </a:bodyPr>
+          <a:lstStyle/>
+          <a:p>
+            <a:pPr algn="ctr">
+              <a:lnSpc>
+                <a:spcPct val="115000"/>
+              </a:lnSpc>
+              <a:spcAft>
+                <a:spcPts val="0"/>
+              </a:spcAft>
+            </a:pPr>
+            <a:r>
+              <a:rPr lang="en-US" sz="2400" b="1" dirty="0" smtClean="0">
+                <a:latin typeface="Arial" panose="020B0604020202020204" pitchFamily="34" charset="0"/>
+                <a:ea typeface="Arial" panose="020B0604020202020204" pitchFamily="34" charset="0"/>
+              </a:rPr>
+              <a:t>Teacher App</a:t>
+            </a:r>
+            <a:r>
+              <a:rPr lang="en-US" sz="2400" b="1" dirty="0">
+                <a:latin typeface="Arial" panose="020B0604020202020204" pitchFamily="34" charset="0"/>
+                <a:ea typeface="Arial" panose="020B0604020202020204" pitchFamily="34" charset="0"/>
+              </a:rPr>
+              <a:t>: </a:t>
+            </a:r>
+            <a:r>
+              <a:rPr lang="en-US" sz="2400" b="1" dirty="0" smtClean="0">
+                <a:latin typeface="Arial" panose="020B0604020202020204" pitchFamily="34" charset="0"/>
+                <a:ea typeface="Arial" panose="020B0604020202020204" pitchFamily="34" charset="0"/>
+              </a:rPr>
+              <a:t>Notifications &gt; Queries page</a:t>
+            </a:r>
+            <a:endParaRPr lang="en-AU" sz="2400" dirty="0">
+              <a:effectLst/>
+              <a:latin typeface="Arial" panose="020B0604020202020204" pitchFamily="34" charset="0"/>
+              <a:ea typeface="Arial" panose="020B0604020202020204" pitchFamily="34" charset="0"/>
+            </a:endParaRPr>
+          </a:p>
+        </p:txBody>
+      </p:sp>
+      <p:sp>
+        <p:nvSpPr>
+          <p:cNvPr id="3" name="Rectangle 2"/>
+          <p:cNvSpPr/>
+          <p:nvPr/>
+        </p:nvSpPr>
+        <p:spPr>
+          <a:xfrm>
+            <a:off x="431032" y="849721"/>
+            <a:ext cx="8245424" cy="307777"/>
+          </a:xfrm>
+          <a:prstGeom prst="rect">
+            <a:avLst/>
+          </a:prstGeom>
+        </p:spPr>
+        <p:txBody>
+          <a:bodyPr wrap="square">
+            <a:spAutoFit/>
+          </a:bodyPr>
+          <a:lstStyle/>
+          <a:p>
+            <a:pPr algn="ctr"/>
+            <a:r>
+              <a:rPr lang="en-US" sz="1400" dirty="0">
+                <a:latin typeface="Arial" panose="020B0604020202020204" pitchFamily="34" charset="0"/>
+                <a:ea typeface="Arial" panose="020B0604020202020204" pitchFamily="34" charset="0"/>
+              </a:rPr>
+              <a:t>Link: </a:t>
+            </a:r>
+            <a:r>
+              <a:rPr lang="en-US" sz="1400" u="sng" dirty="0">
+                <a:solidFill>
+                  <a:srgbClr val="0000FF"/>
+                </a:solidFill>
+                <a:latin typeface="Arial" panose="020B0604020202020204" pitchFamily="34" charset="0"/>
+                <a:ea typeface="Arial" panose="020B0604020202020204" pitchFamily="34" charset="0"/>
+                <a:hlinkClick r:id="rId2"/>
+              </a:rPr>
+              <a:t>https</a:t>
+            </a:r>
+            <a:r>
+              <a:rPr lang="en-US" sz="1400" u="sng" dirty="0" smtClean="0">
+                <a:solidFill>
+                  <a:srgbClr val="0000FF"/>
+                </a:solidFill>
+                <a:latin typeface="Arial" panose="020B0604020202020204" pitchFamily="34" charset="0"/>
+                <a:ea typeface="Arial" panose="020B0604020202020204" pitchFamily="34" charset="0"/>
+                <a:hlinkClick r:id="rId2"/>
+              </a:rPr>
+              <a:t>://</a:t>
+            </a:r>
+            <a:r>
+              <a:rPr lang="en-US" sz="1400" u="sng" dirty="0" smtClean="0">
+                <a:solidFill>
+                  <a:srgbClr val="0000FF"/>
+                </a:solidFill>
+                <a:latin typeface="Arial" panose="020B0604020202020204" pitchFamily="34" charset="0"/>
+                <a:ea typeface="Arial" panose="020B0604020202020204" pitchFamily="34" charset="0"/>
+              </a:rPr>
+              <a:t>anodiam.com/teacher/queries/{userid}</a:t>
+            </a:r>
+          </a:p>
+        </p:txBody>
+      </p:sp>
+      <p:pic>
+        <p:nvPicPr>
+          <p:cNvPr id="4" name="Picture 3"/>
+          <p:cNvPicPr>
+            <a:picLocks noChangeAspect="1"/>
+          </p:cNvPicPr>
+          <p:nvPr/>
+        </p:nvPicPr>
+        <p:blipFill>
+          <a:blip r:embed="rId3"/>
+          <a:stretch>
+            <a:fillRect/>
+          </a:stretch>
+        </p:blipFill>
+        <p:spPr>
+          <a:xfrm>
+            <a:off x="838200" y="1979637"/>
+            <a:ext cx="7467600" cy="4257675"/>
+          </a:xfrm>
+          <a:prstGeom prst="rect">
+            <a:avLst/>
+          </a:prstGeom>
+        </p:spPr>
+      </p:pic>
+    </p:spTree>
+    <p:extLst>
+      <p:ext uri="{BB962C8B-B14F-4D97-AF65-F5344CB8AC3E}">
+        <p14:creationId xmlns:p14="http://schemas.microsoft.com/office/powerpoint/2010/main" val="680381503"/>
+      </p:ext>
+    </p:extLst>
+  </p:cSld>
+  <p:clrMapOvr>
+    <a:masterClrMapping/>
+  </p:clrMapOvr>
+  <p:timing>
+    <p:tnLst>
+      <p:par>
+        <p:cTn id="1" dur="indefinite" restart="never" nodeType="tmRoot"/>
+      </p:par>
+    </p:tnLst>
+  </p:timing>
+</p:sld>
+</file>
+
+<file path=ppt/slides/slide31.xml><?xml version="1.0" encoding="utf-8"?>
+<p:sld xmlns:a="http://schemas.openxmlformats.org/drawingml/2006/main" xmlns:r="http://schemas.openxmlformats.org/officeDocument/2006/relationships" xmlns:p="http://schemas.openxmlformats.org/presentationml/2006/main">
+  <p:cSld>
+    <p:spTree>
+      <p:nvGrpSpPr>
+        <p:cNvPr id="1" name=""/>
+        <p:cNvGrpSpPr/>
+        <p:nvPr/>
+      </p:nvGrpSpPr>
+      <p:grpSpPr>
+        <a:xfrm>
+          <a:off x="0" y="0"/>
+          <a:ext cx="0" cy="0"/>
+          <a:chOff x="0" y="0"/>
+          <a:chExt cx="0" cy="0"/>
+        </a:xfrm>
+      </p:grpSpPr>
+      <p:sp>
+        <p:nvSpPr>
+          <p:cNvPr id="2" name="Rectangle 1"/>
+          <p:cNvSpPr/>
+          <p:nvPr/>
+        </p:nvSpPr>
+        <p:spPr>
+          <a:xfrm>
             <a:off x="591077" y="332656"/>
             <a:ext cx="8045216" cy="480901"/>
           </a:xfrm>
@@ -10525,7 +10705,7 @@
 </p:sld>
 </file>
 
-<file path=ppt/slides/slide31.xml><?xml version="1.0" encoding="utf-8"?>
+<file path=ppt/slides/slide32.xml><?xml version="1.0" encoding="utf-8"?>
 <p:sld xmlns:a="http://schemas.openxmlformats.org/drawingml/2006/main" xmlns:r="http://schemas.openxmlformats.org/officeDocument/2006/relationships" xmlns:p="http://schemas.openxmlformats.org/presentationml/2006/main">
   <p:cSld>
     <p:spTree>
@@ -11293,7 +11473,7 @@
               <a:t>Link: </a:t>
             </a:r>
             <a:r>
-              <a:rPr lang="en-US" sz="1200" smtClean="0">
+              <a:rPr lang="en-US" sz="1200" dirty="0" smtClean="0">
                 <a:latin typeface="Arial" panose="020B0604020202020204" pitchFamily="34" charset="0"/>
                 <a:ea typeface="Arial" panose="020B0604020202020204" pitchFamily="34" charset="0"/>
               </a:rPr>
@@ -11417,14 +11597,79 @@
       </p:grpSpPr>
       <p:sp>
         <p:nvSpPr>
-          <p:cNvPr id="2" name="Rectangle 1"/>
+          <p:cNvPr id="3" name="Rectangle 2"/>
           <p:cNvSpPr/>
           <p:nvPr/>
         </p:nvSpPr>
         <p:spPr>
           <a:xfrm>
-            <a:off x="1117785" y="332656"/>
-            <a:ext cx="6671057" cy="480901"/>
+            <a:off x="330590" y="332656"/>
+            <a:ext cx="8245424" cy="276999"/>
+          </a:xfrm>
+          <a:prstGeom prst="rect">
+            <a:avLst/>
+          </a:prstGeom>
+        </p:spPr>
+        <p:txBody>
+          <a:bodyPr wrap="square">
+            <a:spAutoFit/>
+          </a:bodyPr>
+          <a:lstStyle/>
+          <a:p>
+            <a:pPr algn="ctr"/>
+            <a:r>
+              <a:rPr lang="en-US" sz="1200" dirty="0">
+                <a:latin typeface="Arial" panose="020B0604020202020204" pitchFamily="34" charset="0"/>
+                <a:ea typeface="Arial" panose="020B0604020202020204" pitchFamily="34" charset="0"/>
+              </a:rPr>
+              <a:t>Link: </a:t>
+            </a:r>
+            <a:r>
+              <a:rPr lang="en-US" sz="1200" u="sng" dirty="0">
+                <a:solidFill>
+                  <a:srgbClr val="0000FF"/>
+                </a:solidFill>
+                <a:latin typeface="Arial" panose="020B0604020202020204" pitchFamily="34" charset="0"/>
+                <a:ea typeface="Arial" panose="020B0604020202020204" pitchFamily="34" charset="0"/>
+                <a:hlinkClick r:id="rId2"/>
+              </a:rPr>
+              <a:t>https</a:t>
+            </a:r>
+            <a:r>
+              <a:rPr lang="en-US" sz="1200" u="sng" dirty="0" smtClean="0">
+                <a:solidFill>
+                  <a:srgbClr val="0000FF"/>
+                </a:solidFill>
+                <a:latin typeface="Arial" panose="020B0604020202020204" pitchFamily="34" charset="0"/>
+                <a:ea typeface="Arial" panose="020B0604020202020204" pitchFamily="34" charset="0"/>
+                <a:hlinkClick r:id="rId2"/>
+              </a:rPr>
+              <a:t>://</a:t>
+            </a:r>
+            <a:r>
+              <a:rPr lang="en-US" sz="1200" u="sng" dirty="0" smtClean="0">
+                <a:solidFill>
+                  <a:srgbClr val="0000FF"/>
+                </a:solidFill>
+                <a:latin typeface="Arial" panose="020B0604020202020204" pitchFamily="34" charset="0"/>
+                <a:ea typeface="Arial" panose="020B0604020202020204" pitchFamily="34" charset="0"/>
+              </a:rPr>
+              <a:t>anodiam.com/teacher/teacher/newUser?token=hex-token</a:t>
+            </a:r>
+            <a:endParaRPr lang="en-AU" sz="1200" dirty="0"/>
+          </a:p>
+        </p:txBody>
+      </p:sp>
+      <p:sp>
+        <p:nvSpPr>
+          <p:cNvPr id="6" name="Rectangle 5"/>
+          <p:cNvSpPr/>
+          <p:nvPr/>
+        </p:nvSpPr>
+        <p:spPr>
+          <a:xfrm>
+            <a:off x="2890449" y="31615"/>
+            <a:ext cx="3125728" cy="375487"/>
           </a:xfrm>
           <a:prstGeom prst="rect">
             <a:avLst/>
@@ -11445,112 +11690,45 @@
               </a:spcAft>
             </a:pPr>
             <a:r>
-              <a:rPr lang="en-US" sz="2400" b="1" dirty="0" smtClean="0">
-                <a:latin typeface="Arial" panose="020B0604020202020204" pitchFamily="34" charset="0"/>
-                <a:ea typeface="Arial" panose="020B0604020202020204" pitchFamily="34" charset="0"/>
-              </a:rPr>
-              <a:t>Teacher App</a:t>
-            </a:r>
-            <a:r>
-              <a:rPr lang="en-US" sz="2400" b="1" dirty="0">
-                <a:latin typeface="Arial" panose="020B0604020202020204" pitchFamily="34" charset="0"/>
-                <a:ea typeface="Arial" panose="020B0604020202020204" pitchFamily="34" charset="0"/>
-              </a:rPr>
-              <a:t>: </a:t>
-            </a:r>
-            <a:r>
-              <a:rPr lang="en-US" sz="2400" b="1" dirty="0" smtClean="0">
-                <a:latin typeface="Arial" panose="020B0604020202020204" pitchFamily="34" charset="0"/>
-                <a:ea typeface="Arial" panose="020B0604020202020204" pitchFamily="34" charset="0"/>
-              </a:rPr>
-              <a:t>Signup – Teacher Signup page</a:t>
-            </a:r>
-          </a:p>
-        </p:txBody>
-      </p:sp>
-      <p:sp>
-        <p:nvSpPr>
-          <p:cNvPr id="3" name="Rectangle 2"/>
-          <p:cNvSpPr/>
-          <p:nvPr/>
-        </p:nvSpPr>
-        <p:spPr>
-          <a:xfrm>
-            <a:off x="431032" y="1196752"/>
-            <a:ext cx="8245424" cy="307777"/>
-          </a:xfrm>
-          <a:prstGeom prst="rect">
-            <a:avLst/>
-          </a:prstGeom>
-        </p:spPr>
-        <p:txBody>
-          <a:bodyPr wrap="square">
-            <a:spAutoFit/>
-          </a:bodyPr>
-          <a:lstStyle/>
-          <a:p>
-            <a:pPr algn="ctr"/>
-            <a:r>
-              <a:rPr lang="en-US" sz="1400" dirty="0">
-                <a:latin typeface="Arial" panose="020B0604020202020204" pitchFamily="34" charset="0"/>
-                <a:ea typeface="Arial" panose="020B0604020202020204" pitchFamily="34" charset="0"/>
-              </a:rPr>
-              <a:t>Link: </a:t>
-            </a:r>
-            <a:r>
-              <a:rPr lang="en-US" sz="1400" u="sng" dirty="0">
-                <a:solidFill>
-                  <a:srgbClr val="0000FF"/>
-                </a:solidFill>
-                <a:latin typeface="Arial" panose="020B0604020202020204" pitchFamily="34" charset="0"/>
-                <a:ea typeface="Arial" panose="020B0604020202020204" pitchFamily="34" charset="0"/>
-                <a:hlinkClick r:id="rId3"/>
-              </a:rPr>
-              <a:t>https</a:t>
-            </a:r>
-            <a:r>
-              <a:rPr lang="en-US" sz="1400" u="sng" dirty="0" smtClean="0">
-                <a:solidFill>
-                  <a:srgbClr val="0000FF"/>
-                </a:solidFill>
-                <a:latin typeface="Arial" panose="020B0604020202020204" pitchFamily="34" charset="0"/>
-                <a:ea typeface="Arial" panose="020B0604020202020204" pitchFamily="34" charset="0"/>
-                <a:hlinkClick r:id="rId3"/>
-              </a:rPr>
-              <a:t>://</a:t>
-            </a:r>
-            <a:r>
-              <a:rPr lang="en-US" sz="1400" u="sng" dirty="0" smtClean="0">
-                <a:solidFill>
-                  <a:srgbClr val="0000FF"/>
-                </a:solidFill>
-                <a:latin typeface="Arial" panose="020B0604020202020204" pitchFamily="34" charset="0"/>
-                <a:ea typeface="Arial" panose="020B0604020202020204" pitchFamily="34" charset="0"/>
-              </a:rPr>
-              <a:t>anodiam.com/teacher/signup</a:t>
-            </a:r>
-            <a:endParaRPr lang="en-AU" sz="1400" dirty="0"/>
+              <a:rPr lang="en-US" sz="1600" b="1" dirty="0" smtClean="0">
+                <a:latin typeface="Arial" panose="020B0604020202020204" pitchFamily="34" charset="0"/>
+                <a:ea typeface="Arial" panose="020B0604020202020204" pitchFamily="34" charset="0"/>
+              </a:rPr>
+              <a:t>Teacher App: </a:t>
+            </a:r>
+            <a:r>
+              <a:rPr lang="en-US" sz="1600" b="1" dirty="0" smtClean="0">
+                <a:latin typeface="Arial" panose="020B0604020202020204" pitchFamily="34" charset="0"/>
+                <a:ea typeface="Arial" panose="020B0604020202020204" pitchFamily="34" charset="0"/>
+              </a:rPr>
+              <a:t>New User Page, </a:t>
+            </a:r>
+            <a:endParaRPr lang="en-AU" sz="1600" dirty="0">
+              <a:effectLst/>
+              <a:latin typeface="Arial" panose="020B0604020202020204" pitchFamily="34" charset="0"/>
+              <a:ea typeface="Arial" panose="020B0604020202020204" pitchFamily="34" charset="0"/>
+            </a:endParaRPr>
           </a:p>
         </p:txBody>
       </p:sp>
       <p:pic>
         <p:nvPicPr>
-          <p:cNvPr id="5" name="Picture 4"/>
+          <p:cNvPr id="2" name="Picture 1"/>
           <p:cNvPicPr>
             <a:picLocks noChangeAspect="1"/>
           </p:cNvPicPr>
           <p:nvPr/>
         </p:nvPicPr>
         <p:blipFill>
-          <a:blip r:embed="rId4"/>
+          <a:blip r:embed="rId3"/>
           <a:stretch>
             <a:fillRect/>
           </a:stretch>
         </p:blipFill>
         <p:spPr>
           <a:xfrm>
-            <a:off x="857250" y="1799803"/>
-            <a:ext cx="7429500" cy="4581525"/>
+            <a:off x="0" y="592038"/>
+            <a:ext cx="9144000" cy="6221338"/>
           </a:xfrm>
           <a:prstGeom prst="rect">
             <a:avLst/>
@@ -11560,7 +11738,7 @@
     </p:spTree>
     <p:extLst>
       <p:ext uri="{BB962C8B-B14F-4D97-AF65-F5344CB8AC3E}">
-        <p14:creationId xmlns:p14="http://schemas.microsoft.com/office/powerpoint/2010/main" val="1481569068"/>
+        <p14:creationId xmlns:p14="http://schemas.microsoft.com/office/powerpoint/2010/main" val="2348707748"/>
       </p:ext>
     </p:extLst>
   </p:cSld>
@@ -11596,79 +11774,14 @@
       </p:grpSpPr>
       <p:sp>
         <p:nvSpPr>
-          <p:cNvPr id="6" name="Rectangle 5"/>
+          <p:cNvPr id="2" name="Rectangle 1"/>
           <p:cNvSpPr/>
           <p:nvPr/>
         </p:nvSpPr>
         <p:spPr>
           <a:xfrm>
-            <a:off x="431032" y="764704"/>
-            <a:ext cx="8245424" cy="307777"/>
-          </a:xfrm>
-          <a:prstGeom prst="rect">
-            <a:avLst/>
-          </a:prstGeom>
-        </p:spPr>
-        <p:txBody>
-          <a:bodyPr wrap="square">
-            <a:spAutoFit/>
-          </a:bodyPr>
-          <a:lstStyle/>
-          <a:p>
-            <a:pPr algn="ctr"/>
-            <a:r>
-              <a:rPr lang="en-US" sz="1400" dirty="0">
-                <a:latin typeface="Arial" panose="020B0604020202020204" pitchFamily="34" charset="0"/>
-                <a:ea typeface="Arial" panose="020B0604020202020204" pitchFamily="34" charset="0"/>
-              </a:rPr>
-              <a:t>Link: </a:t>
-            </a:r>
-            <a:r>
-              <a:rPr lang="en-US" sz="1400" u="sng" dirty="0">
-                <a:solidFill>
-                  <a:srgbClr val="0000FF"/>
-                </a:solidFill>
-                <a:latin typeface="Arial" panose="020B0604020202020204" pitchFamily="34" charset="0"/>
-                <a:ea typeface="Arial" panose="020B0604020202020204" pitchFamily="34" charset="0"/>
-                <a:hlinkClick r:id="rId3"/>
-              </a:rPr>
-              <a:t>https</a:t>
-            </a:r>
-            <a:r>
-              <a:rPr lang="en-US" sz="1400" u="sng" dirty="0" smtClean="0">
-                <a:solidFill>
-                  <a:srgbClr val="0000FF"/>
-                </a:solidFill>
-                <a:latin typeface="Arial" panose="020B0604020202020204" pitchFamily="34" charset="0"/>
-                <a:ea typeface="Arial" panose="020B0604020202020204" pitchFamily="34" charset="0"/>
-                <a:hlinkClick r:id="rId3"/>
-              </a:rPr>
-              <a:t>://</a:t>
-            </a:r>
-            <a:r>
-              <a:rPr lang="en-US" sz="1400" u="sng" dirty="0" smtClean="0">
-                <a:solidFill>
-                  <a:srgbClr val="0000FF"/>
-                </a:solidFill>
-                <a:latin typeface="Arial" panose="020B0604020202020204" pitchFamily="34" charset="0"/>
-                <a:ea typeface="Arial" panose="020B0604020202020204" pitchFamily="34" charset="0"/>
-              </a:rPr>
-              <a:t>anodiam.com/teacher/signup</a:t>
-            </a:r>
-            <a:endParaRPr lang="en-AU" sz="1400" dirty="0"/>
-          </a:p>
-        </p:txBody>
-      </p:sp>
-      <p:sp>
-        <p:nvSpPr>
-          <p:cNvPr id="7" name="Rectangle 6"/>
-          <p:cNvSpPr/>
-          <p:nvPr/>
-        </p:nvSpPr>
-        <p:spPr>
-          <a:xfrm>
-            <a:off x="238541" y="332656"/>
-            <a:ext cx="8429552" cy="517065"/>
+            <a:off x="1117785" y="332656"/>
+            <a:ext cx="6671057" cy="480901"/>
           </a:xfrm>
           <a:prstGeom prst="rect">
             <a:avLst/>
@@ -11707,8 +11820,73 @@
                 <a:latin typeface="Arial" panose="020B0604020202020204" pitchFamily="34" charset="0"/>
                 <a:ea typeface="Arial" panose="020B0604020202020204" pitchFamily="34" charset="0"/>
               </a:rPr>
-              <a:t>Signup – Teacher Signup page (continued)</a:t>
-            </a:r>
+              <a:t>Signup – Teacher Signup page</a:t>
+            </a:r>
+          </a:p>
+        </p:txBody>
+      </p:sp>
+      <p:sp>
+        <p:nvSpPr>
+          <p:cNvPr id="3" name="Rectangle 2"/>
+          <p:cNvSpPr/>
+          <p:nvPr/>
+        </p:nvSpPr>
+        <p:spPr>
+          <a:xfrm>
+            <a:off x="431032" y="1196752"/>
+            <a:ext cx="8245424" cy="307777"/>
+          </a:xfrm>
+          <a:prstGeom prst="rect">
+            <a:avLst/>
+          </a:prstGeom>
+        </p:spPr>
+        <p:txBody>
+          <a:bodyPr wrap="square">
+            <a:spAutoFit/>
+          </a:bodyPr>
+          <a:lstStyle/>
+          <a:p>
+            <a:pPr algn="ctr"/>
+            <a:r>
+              <a:rPr lang="en-US" sz="1400" dirty="0">
+                <a:latin typeface="Arial" panose="020B0604020202020204" pitchFamily="34" charset="0"/>
+                <a:ea typeface="Arial" panose="020B0604020202020204" pitchFamily="34" charset="0"/>
+              </a:rPr>
+              <a:t>Link: </a:t>
+            </a:r>
+            <a:r>
+              <a:rPr lang="en-US" sz="1400" u="sng" dirty="0">
+                <a:solidFill>
+                  <a:srgbClr val="0000FF"/>
+                </a:solidFill>
+                <a:latin typeface="Arial" panose="020B0604020202020204" pitchFamily="34" charset="0"/>
+                <a:ea typeface="Arial" panose="020B0604020202020204" pitchFamily="34" charset="0"/>
+                <a:hlinkClick r:id="rId3"/>
+              </a:rPr>
+              <a:t>https</a:t>
+            </a:r>
+            <a:r>
+              <a:rPr lang="en-US" sz="1400" u="sng" dirty="0" smtClean="0">
+                <a:solidFill>
+                  <a:srgbClr val="0000FF"/>
+                </a:solidFill>
+                <a:latin typeface="Arial" panose="020B0604020202020204" pitchFamily="34" charset="0"/>
+                <a:ea typeface="Arial" panose="020B0604020202020204" pitchFamily="34" charset="0"/>
+                <a:hlinkClick r:id="rId3"/>
+              </a:rPr>
+              <a:t>://</a:t>
+            </a:r>
+            <a:r>
+              <a:rPr lang="en-US" sz="1400" u="sng" dirty="0" smtClean="0">
+                <a:solidFill>
+                  <a:srgbClr val="0000FF"/>
+                </a:solidFill>
+                <a:latin typeface="Arial" panose="020B0604020202020204" pitchFamily="34" charset="0"/>
+                <a:ea typeface="Arial" panose="020B0604020202020204" pitchFamily="34" charset="0"/>
+              </a:rPr>
+              <a:t>anodiam.com/teacher/signup</a:t>
+            </a:r>
+            <a:endParaRPr lang="en-AU" sz="1400" dirty="0"/>
           </a:p>
         </p:txBody>
       </p:sp>
@@ -11728,8 +11906,8 @@
         </p:blipFill>
         <p:spPr>
           <a:xfrm>
-            <a:off x="857250" y="1124744"/>
-            <a:ext cx="7429500" cy="5619750"/>
+            <a:off x="857250" y="1799803"/>
+            <a:ext cx="7429500" cy="4581525"/>
           </a:xfrm>
           <a:prstGeom prst="rect">
             <a:avLst/>
@@ -11739,7 +11917,7 @@
     </p:spTree>
     <p:extLst>
       <p:ext uri="{BB962C8B-B14F-4D97-AF65-F5344CB8AC3E}">
-        <p14:creationId xmlns:p14="http://schemas.microsoft.com/office/powerpoint/2010/main" val="3441860811"/>
+        <p14:creationId xmlns:p14="http://schemas.microsoft.com/office/powerpoint/2010/main" val="1481569068"/>
       </p:ext>
     </p:extLst>
   </p:cSld>
